--- a/documentation/Notiz-App.pptx
+++ b/documentation/Notiz-App.pptx
@@ -20200,13 +20200,8 @@
             <a:pPr rtl="0"/>
             <a:r>
               <a:rPr lang="de-DE" dirty="0"/>
-              <a:t>          Datenbank - </a:t>
-            </a:r>
-            <a:r>
-              <a:rPr lang="de-DE" dirty="0" err="1"/>
-              <a:t>Postgres</a:t>
-            </a:r>
-            <a:endParaRPr lang="de-DE" dirty="0"/>
+              <a:t>          Datenbank - PostgreSQL</a:t>
+            </a:r>
           </a:p>
         </p:txBody>
       </p:sp>
@@ -21168,6 +21163,180 @@
           </a:lstStyle>
           <a:p>
             <a:endParaRPr lang="de-DE" sz="2400" dirty="0"/>
+          </a:p>
+        </p:txBody>
+      </p:sp>
+      <p:sp>
+        <p:nvSpPr>
+          <p:cNvPr id="6" name="Textfeld 5">
+            <a:extLst>
+              <a:ext uri="{FF2B5EF4-FFF2-40B4-BE49-F238E27FC236}">
+                <a16:creationId xmlns:a16="http://schemas.microsoft.com/office/drawing/2014/main" id="{862EA967-77E1-F33A-0FED-CC3D5BAE6C90}"/>
+              </a:ext>
+            </a:extLst>
+          </p:cNvPr>
+          <p:cNvSpPr txBox="1"/>
+          <p:nvPr/>
+        </p:nvSpPr>
+        <p:spPr>
+          <a:xfrm>
+            <a:off x="5399267" y="2810805"/>
+            <a:ext cx="3436219" cy="369332"/>
+          </a:xfrm>
+          <a:prstGeom prst="rect">
+            <a:avLst/>
+          </a:prstGeom>
+          <a:noFill/>
+        </p:spPr>
+        <p:txBody>
+          <a:bodyPr wrap="square" rtlCol="0">
+            <a:spAutoFit/>
+          </a:bodyPr>
+          <a:lstStyle/>
+          <a:p>
+            <a:pPr marL="285750" indent="-285750">
+              <a:buFont typeface="Arial" panose="020B0604020202020204" pitchFamily="34" charset="0"/>
+              <a:buChar char="•"/>
+            </a:pPr>
+            <a:r>
+              <a:rPr lang="de-DE" dirty="0"/>
+              <a:t>Integritätsschutz </a:t>
+            </a:r>
+          </a:p>
+        </p:txBody>
+      </p:sp>
+      <p:sp>
+        <p:nvSpPr>
+          <p:cNvPr id="12" name="Textfeld 11">
+            <a:extLst>
+              <a:ext uri="{FF2B5EF4-FFF2-40B4-BE49-F238E27FC236}">
+                <a16:creationId xmlns:a16="http://schemas.microsoft.com/office/drawing/2014/main" id="{789F55D1-4A6E-FCA4-76A2-E40433D9E820}"/>
+              </a:ext>
+            </a:extLst>
+          </p:cNvPr>
+          <p:cNvSpPr txBox="1"/>
+          <p:nvPr/>
+        </p:nvSpPr>
+        <p:spPr>
+          <a:xfrm>
+            <a:off x="1480686" y="2914851"/>
+            <a:ext cx="3436219" cy="923330"/>
+          </a:xfrm>
+          <a:prstGeom prst="rect">
+            <a:avLst/>
+          </a:prstGeom>
+          <a:noFill/>
+        </p:spPr>
+        <p:txBody>
+          <a:bodyPr wrap="square" rtlCol="0">
+            <a:spAutoFit/>
+          </a:bodyPr>
+          <a:lstStyle/>
+          <a:p>
+            <a:pPr marL="285750" indent="-285750">
+              <a:buFont typeface="Arial" panose="020B0604020202020204" pitchFamily="34" charset="0"/>
+              <a:buChar char="•"/>
+            </a:pPr>
+            <a:r>
+              <a:rPr lang="de-DE" dirty="0"/>
+              <a:t>Objektrelational</a:t>
+            </a:r>
+          </a:p>
+          <a:p>
+            <a:pPr marL="285750" indent="-285750">
+              <a:buFont typeface="Arial" panose="020B0604020202020204" pitchFamily="34" charset="0"/>
+              <a:buChar char="•"/>
+            </a:pPr>
+            <a:r>
+              <a:rPr lang="de-DE" dirty="0"/>
+              <a:t>Schlanker als </a:t>
+            </a:r>
+            <a:r>
+              <a:rPr lang="de-DE" dirty="0" err="1"/>
+              <a:t>zB</a:t>
+            </a:r>
+            <a:r>
+              <a:rPr lang="de-DE" dirty="0"/>
+              <a:t> Orakle</a:t>
+            </a:r>
+          </a:p>
+          <a:p>
+            <a:pPr marL="285750" indent="-285750">
+              <a:buFont typeface="Arial" panose="020B0604020202020204" pitchFamily="34" charset="0"/>
+              <a:buChar char="•"/>
+            </a:pPr>
+            <a:r>
+              <a:rPr lang="de-DE" dirty="0" err="1"/>
+              <a:t>OpenSource</a:t>
+            </a:r>
+            <a:r>
+              <a:rPr lang="de-DE" dirty="0"/>
+              <a:t> </a:t>
+            </a:r>
+          </a:p>
+        </p:txBody>
+      </p:sp>
+      <p:sp>
+        <p:nvSpPr>
+          <p:cNvPr id="7" name="Rechteck: abgerundete Ecken 6">
+            <a:extLst>
+              <a:ext uri="{FF2B5EF4-FFF2-40B4-BE49-F238E27FC236}">
+                <a16:creationId xmlns:a16="http://schemas.microsoft.com/office/drawing/2014/main" id="{3F4C4D9D-620B-858C-C423-7C5F32C5D524}"/>
+              </a:ext>
+            </a:extLst>
+          </p:cNvPr>
+          <p:cNvSpPr/>
+          <p:nvPr/>
+        </p:nvSpPr>
+        <p:spPr>
+          <a:xfrm>
+            <a:off x="5129865" y="4456497"/>
+            <a:ext cx="3202469" cy="1501786"/>
+          </a:xfrm>
+          <a:prstGeom prst="roundRect">
+            <a:avLst/>
+          </a:prstGeom>
+        </p:spPr>
+        <p:style>
+          <a:lnRef idx="2">
+            <a:schemeClr val="accent1">
+              <a:shade val="50000"/>
+            </a:schemeClr>
+          </a:lnRef>
+          <a:fillRef idx="1">
+            <a:schemeClr val="accent1"/>
+          </a:fillRef>
+          <a:effectRef idx="0">
+            <a:schemeClr val="accent1"/>
+          </a:effectRef>
+          <a:fontRef idx="minor">
+            <a:schemeClr val="lt1"/>
+          </a:fontRef>
+        </p:style>
+        <p:txBody>
+          <a:bodyPr rtlCol="0" anchor="ctr"/>
+          <a:lstStyle/>
+          <a:p>
+            <a:pPr algn="ctr"/>
+            <a:r>
+              <a:rPr lang="de-DE" dirty="0"/>
+              <a:t>Ein </a:t>
+            </a:r>
+            <a:r>
+              <a:rPr lang="de-DE" dirty="0" err="1"/>
+              <a:t>weitererführender</a:t>
+            </a:r>
+            <a:r>
+              <a:rPr lang="de-DE" dirty="0"/>
+              <a:t> Faktor:</a:t>
+            </a:r>
+          </a:p>
+          <a:p>
+            <a:pPr algn="ctr"/>
+            <a:r>
+              <a:rPr lang="de-DE" dirty="0"/>
+              <a:t>Backups</a:t>
+            </a:r>
           </a:p>
         </p:txBody>
       </p:sp>
@@ -29674,22 +29843,12 @@
 </file>
 
 <file path=customXml/item1.xml><?xml version="1.0" encoding="utf-8"?>
-<p:properties xmlns:p="http://schemas.microsoft.com/office/2006/metadata/properties" xmlns:xsi="http://www.w3.org/2001/XMLSchema-instance" xmlns:pc="http://schemas.microsoft.com/office/infopath/2007/PartnerControls">
-  <documentManagement>
-    <_ip_UnifiedCompliancePolicyUIAction xmlns="http://schemas.microsoft.com/sharepoint/v3" xsi:nil="true"/>
-    <Image xmlns="71af3243-3dd4-4a8d-8c0d-dd76da1f02a5">
-      <Url xsi:nil="true"/>
-      <Description xsi:nil="true"/>
-    </Image>
-    <Status xmlns="71af3243-3dd4-4a8d-8c0d-dd76da1f02a5">Not started</Status>
-    <_ip_UnifiedCompliancePolicyProperties xmlns="http://schemas.microsoft.com/sharepoint/v3" xsi:nil="true"/>
-    <ImageTagsTaxHTField xmlns="71af3243-3dd4-4a8d-8c0d-dd76da1f02a5">
-      <Terms xmlns="http://schemas.microsoft.com/office/infopath/2007/PartnerControls"/>
-    </ImageTagsTaxHTField>
-    <TaxCatchAll xmlns="230e9df3-be65-4c73-a93b-d1236ebd677e"/>
-    <MediaServiceKeyPoints xmlns="71af3243-3dd4-4a8d-8c0d-dd76da1f02a5" xsi:nil="true"/>
-  </documentManagement>
-</p:properties>
+<?mso-contentType ?>
+<FormTemplates xmlns="http://schemas.microsoft.com/sharepoint/v3/contenttype/forms">
+  <Display>DocumentLibraryForm</Display>
+  <Edit>DocumentLibraryForm</Edit>
+  <New>DocumentLibraryForm</New>
+</FormTemplates>
 </file>
 
 <file path=customXml/item2.xml><?xml version="1.0" encoding="utf-8"?>
@@ -29975,29 +30134,28 @@
 </file>
 
 <file path=customXml/item3.xml><?xml version="1.0" encoding="utf-8"?>
-<?mso-contentType ?>
-<FormTemplates xmlns="http://schemas.microsoft.com/sharepoint/v3/contenttype/forms">
-  <Display>DocumentLibraryForm</Display>
-  <Edit>DocumentLibraryForm</Edit>
-  <New>DocumentLibraryForm</New>
-</FormTemplates>
+<p:properties xmlns:p="http://schemas.microsoft.com/office/2006/metadata/properties" xmlns:xsi="http://www.w3.org/2001/XMLSchema-instance" xmlns:pc="http://schemas.microsoft.com/office/infopath/2007/PartnerControls">
+  <documentManagement>
+    <_ip_UnifiedCompliancePolicyUIAction xmlns="http://schemas.microsoft.com/sharepoint/v3" xsi:nil="true"/>
+    <Image xmlns="71af3243-3dd4-4a8d-8c0d-dd76da1f02a5">
+      <Url xsi:nil="true"/>
+      <Description xsi:nil="true"/>
+    </Image>
+    <Status xmlns="71af3243-3dd4-4a8d-8c0d-dd76da1f02a5">Not started</Status>
+    <_ip_UnifiedCompliancePolicyProperties xmlns="http://schemas.microsoft.com/sharepoint/v3" xsi:nil="true"/>
+    <ImageTagsTaxHTField xmlns="71af3243-3dd4-4a8d-8c0d-dd76da1f02a5">
+      <Terms xmlns="http://schemas.microsoft.com/office/infopath/2007/PartnerControls"/>
+    </ImageTagsTaxHTField>
+    <TaxCatchAll xmlns="230e9df3-be65-4c73-a93b-d1236ebd677e"/>
+    <MediaServiceKeyPoints xmlns="71af3243-3dd4-4a8d-8c0d-dd76da1f02a5" xsi:nil="true"/>
+  </documentManagement>
+</p:properties>
 </file>
 
 <file path=customXml/itemProps1.xml><?xml version="1.0" encoding="utf-8"?>
-<ds:datastoreItem xmlns:ds="http://schemas.openxmlformats.org/officeDocument/2006/customXml" ds:itemID="{4D5BAB77-79E1-4739-AA51-10C9079186D6}">
+<ds:datastoreItem xmlns:ds="http://schemas.openxmlformats.org/officeDocument/2006/customXml" ds:itemID="{85334180-0405-413B-834A-44FA9E05ADB7}">
   <ds:schemaRefs>
-    <ds:schemaRef ds:uri="http://schemas.microsoft.com/sharepoint/v3"/>
-    <ds:schemaRef ds:uri="http://schemas.microsoft.com/office/2006/documentManagement/types"/>
-    <ds:schemaRef ds:uri="http://www.w3.org/XML/1998/namespace"/>
-    <ds:schemaRef ds:uri="230e9df3-be65-4c73-a93b-d1236ebd677e"/>
-    <ds:schemaRef ds:uri="71af3243-3dd4-4a8d-8c0d-dd76da1f02a5"/>
-    <ds:schemaRef ds:uri="http://schemas.microsoft.com/office/infopath/2007/PartnerControls"/>
-    <ds:schemaRef ds:uri="http://purl.org/dc/elements/1.1/"/>
-    <ds:schemaRef ds:uri="http://purl.org/dc/dcmitype/"/>
-    <ds:schemaRef ds:uri="http://schemas.openxmlformats.org/package/2006/metadata/core-properties"/>
-    <ds:schemaRef ds:uri="16c05727-aa75-4e4a-9b5f-8a80a1165891"/>
-    <ds:schemaRef ds:uri="http://schemas.microsoft.com/office/2006/metadata/properties"/>
-    <ds:schemaRef ds:uri="http://purl.org/dc/terms/"/>
+    <ds:schemaRef ds:uri="http://schemas.microsoft.com/sharepoint/v3/contenttype/forms"/>
   </ds:schemaRefs>
 </ds:datastoreItem>
 </file>
@@ -30024,9 +30182,20 @@
 </file>
 
 <file path=customXml/itemProps3.xml><?xml version="1.0" encoding="utf-8"?>
-<ds:datastoreItem xmlns:ds="http://schemas.openxmlformats.org/officeDocument/2006/customXml" ds:itemID="{85334180-0405-413B-834A-44FA9E05ADB7}">
+<ds:datastoreItem xmlns:ds="http://schemas.openxmlformats.org/officeDocument/2006/customXml" ds:itemID="{4D5BAB77-79E1-4739-AA51-10C9079186D6}">
   <ds:schemaRefs>
-    <ds:schemaRef ds:uri="http://schemas.microsoft.com/sharepoint/v3/contenttype/forms"/>
+    <ds:schemaRef ds:uri="http://schemas.microsoft.com/sharepoint/v3"/>
+    <ds:schemaRef ds:uri="http://schemas.microsoft.com/office/2006/documentManagement/types"/>
+    <ds:schemaRef ds:uri="http://www.w3.org/XML/1998/namespace"/>
+    <ds:schemaRef ds:uri="230e9df3-be65-4c73-a93b-d1236ebd677e"/>
+    <ds:schemaRef ds:uri="71af3243-3dd4-4a8d-8c0d-dd76da1f02a5"/>
+    <ds:schemaRef ds:uri="http://schemas.microsoft.com/office/infopath/2007/PartnerControls"/>
+    <ds:schemaRef ds:uri="http://purl.org/dc/elements/1.1/"/>
+    <ds:schemaRef ds:uri="http://purl.org/dc/dcmitype/"/>
+    <ds:schemaRef ds:uri="http://schemas.openxmlformats.org/package/2006/metadata/core-properties"/>
+    <ds:schemaRef ds:uri="16c05727-aa75-4e4a-9b5f-8a80a1165891"/>
+    <ds:schemaRef ds:uri="http://schemas.microsoft.com/office/2006/metadata/properties"/>
+    <ds:schemaRef ds:uri="http://purl.org/dc/terms/"/>
   </ds:schemaRefs>
 </ds:datastoreItem>
 </file>

--- a/documentation/Notiz-App.pptx
+++ b/documentation/Notiz-App.pptx
@@ -5,10 +5,10 @@
     <p:sldMasterId id="2147483648" r:id="rId4"/>
   </p:sldMasterIdLst>
   <p:notesMasterIdLst>
-    <p:notesMasterId r:id="rId34"/>
+    <p:notesMasterId r:id="rId36"/>
   </p:notesMasterIdLst>
   <p:handoutMasterIdLst>
-    <p:handoutMasterId r:id="rId35"/>
+    <p:handoutMasterId r:id="rId37"/>
   </p:handoutMasterIdLst>
   <p:sldIdLst>
     <p:sldId id="256" r:id="rId5"/>
@@ -37,9 +37,11 @@
     <p:sldId id="289" r:id="rId28"/>
     <p:sldId id="267" r:id="rId29"/>
     <p:sldId id="291" r:id="rId30"/>
-    <p:sldId id="275" r:id="rId31"/>
-    <p:sldId id="276" r:id="rId32"/>
-    <p:sldId id="282" r:id="rId33"/>
+    <p:sldId id="292" r:id="rId31"/>
+    <p:sldId id="293" r:id="rId32"/>
+    <p:sldId id="275" r:id="rId33"/>
+    <p:sldId id="276" r:id="rId34"/>
+    <p:sldId id="282" r:id="rId35"/>
   </p:sldIdLst>
   <p:sldSz cx="12192000" cy="6858000"/>
   <p:notesSz cx="6858000" cy="9144000"/>
@@ -168,14 +170,6 @@
 </p:cmAuthorLst>
 </file>
 
-<file path=ppt/revisionInfo.xml><?xml version="1.0" encoding="utf-8"?>
-<p1510:revInfo xmlns:a="http://schemas.openxmlformats.org/drawingml/2006/main" xmlns:r="http://schemas.openxmlformats.org/officeDocument/2006/relationships" xmlns:p1510="http://schemas.microsoft.com/office/powerpoint/2015/10/main">
-  <p1510:revLst>
-    <p1510:client id="{F71F1A7A-3842-4B7C-96B6-55ECA92777D5}" v="16" dt="2022-07-26T15:41:01.127"/>
-  </p1510:revLst>
-</p1510:revInfo>
-</file>
-
 <file path=ppt/handoutMasters/handoutMaster1.xml><?xml version="1.0" encoding="utf-8"?>
 <p:handoutMaster xmlns:a="http://schemas.openxmlformats.org/drawingml/2006/main" xmlns:r="http://schemas.openxmlformats.org/officeDocument/2006/relationships" xmlns:p="http://schemas.openxmlformats.org/presentationml/2006/main">
   <p:cSld>
@@ -2161,7 +2155,7 @@
     </p:spTree>
     <p:extLst>
       <p:ext uri="{BB962C8B-B14F-4D97-AF65-F5344CB8AC3E}">
-        <p14:creationId xmlns:p14="http://schemas.microsoft.com/office/powerpoint/2010/main" val="4128195188"/>
+        <p14:creationId xmlns:p14="http://schemas.microsoft.com/office/powerpoint/2010/main" val="3161336120"/>
       </p:ext>
     </p:extLst>
   </p:cSld>
@@ -2246,7 +2240,7 @@
     </p:spTree>
     <p:extLst>
       <p:ext uri="{BB962C8B-B14F-4D97-AF65-F5344CB8AC3E}">
-        <p14:creationId xmlns:p14="http://schemas.microsoft.com/office/powerpoint/2010/main" val="3781119937"/>
+        <p14:creationId xmlns:p14="http://schemas.microsoft.com/office/powerpoint/2010/main" val="948702736"/>
       </p:ext>
     </p:extLst>
   </p:cSld>
@@ -2323,6 +2317,176 @@
             <a:fld id="{F97DC217-DF71-1A49-B3EA-559F1F43B0FF}" type="slidenum">
               <a:rPr lang="de-DE" smtClean="0"/>
               <a:t>29</a:t>
+            </a:fld>
+            <a:endParaRPr lang="de-DE"/>
+          </a:p>
+        </p:txBody>
+      </p:sp>
+    </p:spTree>
+    <p:extLst>
+      <p:ext uri="{BB962C8B-B14F-4D97-AF65-F5344CB8AC3E}">
+        <p14:creationId xmlns:p14="http://schemas.microsoft.com/office/powerpoint/2010/main" val="4128195188"/>
+      </p:ext>
+    </p:extLst>
+  </p:cSld>
+  <p:clrMapOvr>
+    <a:masterClrMapping/>
+  </p:clrMapOvr>
+</p:notes>
+</file>
+
+<file path=ppt/notesSlides/notesSlide27.xml><?xml version="1.0" encoding="utf-8"?>
+<p:notes xmlns:a="http://schemas.openxmlformats.org/drawingml/2006/main" xmlns:r="http://schemas.openxmlformats.org/officeDocument/2006/relationships" xmlns:p="http://schemas.openxmlformats.org/presentationml/2006/main">
+  <p:cSld>
+    <p:spTree>
+      <p:nvGrpSpPr>
+        <p:cNvPr id="1" name=""/>
+        <p:cNvGrpSpPr/>
+        <p:nvPr/>
+      </p:nvGrpSpPr>
+      <p:grpSpPr>
+        <a:xfrm>
+          <a:off x="0" y="0"/>
+          <a:ext cx="0" cy="0"/>
+          <a:chOff x="0" y="0"/>
+          <a:chExt cx="0" cy="0"/>
+        </a:xfrm>
+      </p:grpSpPr>
+      <p:sp>
+        <p:nvSpPr>
+          <p:cNvPr id="2" name="Folienbildplatzhalter 1"/>
+          <p:cNvSpPr>
+            <a:spLocks noGrp="1" noRot="1" noChangeAspect="1"/>
+          </p:cNvSpPr>
+          <p:nvPr>
+            <p:ph type="sldImg"/>
+          </p:nvPr>
+        </p:nvSpPr>
+        <p:spPr/>
+      </p:sp>
+      <p:sp>
+        <p:nvSpPr>
+          <p:cNvPr id="3" name="Notizenplatzhalter 2"/>
+          <p:cNvSpPr>
+            <a:spLocks noGrp="1"/>
+          </p:cNvSpPr>
+          <p:nvPr>
+            <p:ph type="body" idx="1"/>
+          </p:nvPr>
+        </p:nvSpPr>
+        <p:spPr/>
+        <p:txBody>
+          <a:bodyPr/>
+          <a:lstStyle/>
+          <a:p>
+            <a:endParaRPr lang="de-DE"/>
+          </a:p>
+        </p:txBody>
+      </p:sp>
+      <p:sp>
+        <p:nvSpPr>
+          <p:cNvPr id="4" name="Foliennummernplatzhalter 3"/>
+          <p:cNvSpPr>
+            <a:spLocks noGrp="1"/>
+          </p:cNvSpPr>
+          <p:nvPr>
+            <p:ph type="sldNum" sz="quarter" idx="5"/>
+          </p:nvPr>
+        </p:nvSpPr>
+        <p:spPr/>
+        <p:txBody>
+          <a:bodyPr/>
+          <a:lstStyle/>
+          <a:p>
+            <a:pPr rtl="0"/>
+            <a:fld id="{F97DC217-DF71-1A49-B3EA-559F1F43B0FF}" type="slidenum">
+              <a:rPr lang="de-DE" smtClean="0"/>
+              <a:t>30</a:t>
+            </a:fld>
+            <a:endParaRPr lang="de-DE"/>
+          </a:p>
+        </p:txBody>
+      </p:sp>
+    </p:spTree>
+    <p:extLst>
+      <p:ext uri="{BB962C8B-B14F-4D97-AF65-F5344CB8AC3E}">
+        <p14:creationId xmlns:p14="http://schemas.microsoft.com/office/powerpoint/2010/main" val="3781119937"/>
+      </p:ext>
+    </p:extLst>
+  </p:cSld>
+  <p:clrMapOvr>
+    <a:masterClrMapping/>
+  </p:clrMapOvr>
+</p:notes>
+</file>
+
+<file path=ppt/notesSlides/notesSlide28.xml><?xml version="1.0" encoding="utf-8"?>
+<p:notes xmlns:a="http://schemas.openxmlformats.org/drawingml/2006/main" xmlns:r="http://schemas.openxmlformats.org/officeDocument/2006/relationships" xmlns:p="http://schemas.openxmlformats.org/presentationml/2006/main">
+  <p:cSld>
+    <p:spTree>
+      <p:nvGrpSpPr>
+        <p:cNvPr id="1" name=""/>
+        <p:cNvGrpSpPr/>
+        <p:nvPr/>
+      </p:nvGrpSpPr>
+      <p:grpSpPr>
+        <a:xfrm>
+          <a:off x="0" y="0"/>
+          <a:ext cx="0" cy="0"/>
+          <a:chOff x="0" y="0"/>
+          <a:chExt cx="0" cy="0"/>
+        </a:xfrm>
+      </p:grpSpPr>
+      <p:sp>
+        <p:nvSpPr>
+          <p:cNvPr id="2" name="Folienbildplatzhalter 1"/>
+          <p:cNvSpPr>
+            <a:spLocks noGrp="1" noRot="1" noChangeAspect="1"/>
+          </p:cNvSpPr>
+          <p:nvPr>
+            <p:ph type="sldImg"/>
+          </p:nvPr>
+        </p:nvSpPr>
+        <p:spPr/>
+      </p:sp>
+      <p:sp>
+        <p:nvSpPr>
+          <p:cNvPr id="3" name="Notizenplatzhalter 2"/>
+          <p:cNvSpPr>
+            <a:spLocks noGrp="1"/>
+          </p:cNvSpPr>
+          <p:nvPr>
+            <p:ph type="body" idx="1"/>
+          </p:nvPr>
+        </p:nvSpPr>
+        <p:spPr/>
+        <p:txBody>
+          <a:bodyPr/>
+          <a:lstStyle/>
+          <a:p>
+            <a:endParaRPr lang="de-DE"/>
+          </a:p>
+        </p:txBody>
+      </p:sp>
+      <p:sp>
+        <p:nvSpPr>
+          <p:cNvPr id="4" name="Foliennummernplatzhalter 3"/>
+          <p:cNvSpPr>
+            <a:spLocks noGrp="1"/>
+          </p:cNvSpPr>
+          <p:nvPr>
+            <p:ph type="sldNum" sz="quarter" idx="5"/>
+          </p:nvPr>
+        </p:nvSpPr>
+        <p:spPr/>
+        <p:txBody>
+          <a:bodyPr/>
+          <a:lstStyle/>
+          <a:p>
+            <a:pPr rtl="0"/>
+            <a:fld id="{F97DC217-DF71-1A49-B3EA-559F1F43B0FF}" type="slidenum">
+              <a:rPr lang="de-DE" smtClean="0"/>
+              <a:t>31</a:t>
             </a:fld>
             <a:endParaRPr lang="de-DE"/>
           </a:p>
@@ -18994,7 +19158,7 @@
             <a:pPr rtl="0"/>
             <a:r>
               <a:rPr lang="de-DE" dirty="0"/>
-              <a:t>PRÄSENTATIONSTITEL</a:t>
+              <a:t>Secure Software Engineering</a:t>
             </a:r>
           </a:p>
         </p:txBody>
@@ -19336,8 +19500,8 @@
           <a:p>
             <a:pPr rtl="0"/>
             <a:r>
-              <a:rPr lang="de-DE"/>
-              <a:t>PRÄSENTATIONSTITEL</a:t>
+              <a:rPr lang="de-DE" dirty="0"/>
+              <a:t>Secure Software Engineering</a:t>
             </a:r>
           </a:p>
         </p:txBody>
@@ -22040,8 +22204,8 @@
           <a:p>
             <a:pPr rtl="0"/>
             <a:r>
-              <a:rPr lang="de-DE" noProof="0"/>
-              <a:t>PRÄSENTATIONSTITEL</a:t>
+              <a:rPr lang="de-DE" noProof="0" dirty="0"/>
+              <a:t>Secure Software Engineering</a:t>
             </a:r>
           </a:p>
         </p:txBody>
@@ -22658,8 +22822,8 @@
           <a:p>
             <a:pPr rtl="0"/>
             <a:r>
-              <a:rPr lang="de-DE"/>
-              <a:t>PRÄSENTATIONSTITEL</a:t>
+              <a:rPr lang="de-DE" dirty="0"/>
+              <a:t>Secure Software Engineering</a:t>
             </a:r>
           </a:p>
         </p:txBody>
@@ -23005,8 +23169,8 @@
           <a:p>
             <a:pPr rtl="0"/>
             <a:r>
-              <a:rPr lang="de-DE"/>
-              <a:t>PRÄSENTATIONSTITEL</a:t>
+              <a:rPr lang="de-DE" dirty="0"/>
+              <a:t>Secure Software Engineering</a:t>
             </a:r>
           </a:p>
         </p:txBody>
@@ -23082,7 +23246,7 @@
           <p:cNvPr id="2" name="Titel 1">
             <a:extLst>
               <a:ext uri="{FF2B5EF4-FFF2-40B4-BE49-F238E27FC236}">
-                <a16:creationId xmlns:a16="http://schemas.microsoft.com/office/drawing/2014/main" id="{69FAE308-3076-43DB-B834-DA0B0AE19AF9}"/>
+                <a16:creationId xmlns:a16="http://schemas.microsoft.com/office/drawing/2014/main" id="{8460295B-54B9-4937-90E3-BAB9CE69E30B}"/>
               </a:ext>
             </a:extLst>
           </p:cNvPr>
@@ -23095,8 +23259,8 @@
         </p:nvSpPr>
         <p:spPr>
           <a:xfrm>
-            <a:off x="1167494" y="1122363"/>
-            <a:ext cx="6220278" cy="2387600"/>
+            <a:off x="1167494" y="1059400"/>
+            <a:ext cx="6245912" cy="2387600"/>
           </a:xfrm>
         </p:spPr>
         <p:txBody>
@@ -23106,17 +23270,17 @@
             <a:pPr rtl="0"/>
             <a:r>
               <a:rPr lang="de-DE" dirty="0"/>
-              <a:t>Fragen?</a:t>
-            </a:r>
-          </a:p>
-        </p:txBody>
-      </p:sp>
-      <p:sp>
-        <p:nvSpPr>
-          <p:cNvPr id="3" name="Inhaltsplatzhalter 2">
-            <a:extLst>
-              <a:ext uri="{FF2B5EF4-FFF2-40B4-BE49-F238E27FC236}">
-                <a16:creationId xmlns:a16="http://schemas.microsoft.com/office/drawing/2014/main" id="{BABC2CE0-8806-4B2A-A10A-32984D317434}"/>
+              <a:t>In einer perfekten Welt</a:t>
+            </a:r>
+          </a:p>
+        </p:txBody>
+      </p:sp>
+      <p:sp>
+        <p:nvSpPr>
+          <p:cNvPr id="4" name="Textplatzhalter 3">
+            <a:extLst>
+              <a:ext uri="{FF2B5EF4-FFF2-40B4-BE49-F238E27FC236}">
+                <a16:creationId xmlns:a16="http://schemas.microsoft.com/office/drawing/2014/main" id="{D51A6D85-3837-435F-A342-5A3F98172B12}"/>
               </a:ext>
             </a:extLst>
           </p:cNvPr>
@@ -23129,12 +23293,12 @@
         </p:nvSpPr>
         <p:spPr>
           <a:xfrm>
-            <a:off x="1167493" y="3602038"/>
-            <a:ext cx="6220277" cy="2247219"/>
-          </a:xfrm>
-        </p:spPr>
-        <p:txBody>
-          <a:bodyPr rtlCol="0">
+            <a:off x="1167494" y="3539075"/>
+            <a:ext cx="6245912" cy="1406101"/>
+          </a:xfrm>
+        </p:spPr>
+        <p:txBody>
+          <a:bodyPr vert="horz" lIns="91440" tIns="45720" rIns="91440" bIns="45720" rtlCol="0" anchor="t">
             <a:normAutofit/>
           </a:bodyPr>
           <a:lstStyle/>
@@ -23142,7 +23306,7 @@
             <a:pPr rtl="0"/>
             <a:r>
               <a:rPr lang="de-DE" dirty="0"/>
-              <a:t>Gleich Live Demo</a:t>
+              <a:t>Was sich noch ergänzen ließe, wenn man Zeit/Geld hätte…</a:t>
             </a:r>
           </a:p>
         </p:txBody>
@@ -23150,7 +23314,7 @@
     </p:spTree>
     <p:extLst>
       <p:ext uri="{BB962C8B-B14F-4D97-AF65-F5344CB8AC3E}">
-        <p14:creationId xmlns:p14="http://schemas.microsoft.com/office/powerpoint/2010/main" val="926184573"/>
+        <p14:creationId xmlns:p14="http://schemas.microsoft.com/office/powerpoint/2010/main" val="1798138808"/>
       </p:ext>
     </p:extLst>
   </p:cSld>
@@ -23195,7 +23359,7 @@
         </p:nvSpPr>
         <p:spPr>
           <a:xfrm>
-            <a:off x="1167492" y="381000"/>
+            <a:off x="1167492" y="352124"/>
             <a:ext cx="9779183" cy="1325563"/>
           </a:xfrm>
         </p:spPr>
@@ -23206,7 +23370,7 @@
             <a:pPr rtl="0"/>
             <a:r>
               <a:rPr lang="de-DE" dirty="0"/>
-              <a:t>Studien</a:t>
+              <a:t>Ideen und Verbesserungen</a:t>
             </a:r>
           </a:p>
         </p:txBody>
@@ -23230,65 +23394,115 @@
         <p:spPr>
           <a:xfrm>
             <a:off x="471638" y="2528203"/>
-            <a:ext cx="11203805" cy="2828613"/>
+            <a:ext cx="11203805" cy="3429835"/>
           </a:xfrm>
         </p:spPr>
         <p:txBody>
           <a:bodyPr vert="horz" lIns="91440" tIns="45720" rIns="91440" bIns="45720" rtlCol="0" anchor="t">
-            <a:normAutofit/>
+            <a:normAutofit lnSpcReduction="10000"/>
           </a:bodyPr>
           <a:lstStyle/>
           <a:p>
-            <a:pPr rtl="0"/>
-            <a:r>
-              <a:rPr lang="en-US" dirty="0" err="1"/>
-              <a:t>Yıldırım</a:t>
-            </a:r>
-            <a:r>
-              <a:rPr lang="en-US" dirty="0"/>
-              <a:t>, M., Mackie, I. Encouraging users to improve password security and memorability. </a:t>
-            </a:r>
-            <a:r>
-              <a:rPr lang="en-US" i="1" dirty="0"/>
-              <a:t>Int. J. Inf. </a:t>
-            </a:r>
-            <a:r>
-              <a:rPr lang="en-US" i="1" dirty="0" err="1"/>
-              <a:t>Secur</a:t>
-            </a:r>
-            <a:r>
-              <a:rPr lang="en-US" i="1" dirty="0"/>
-              <a:t>.</a:t>
-            </a:r>
-            <a:r>
-              <a:rPr lang="en-US" dirty="0"/>
-              <a:t> </a:t>
-            </a:r>
-            <a:r>
-              <a:rPr lang="en-US" b="1" dirty="0"/>
-              <a:t>18, </a:t>
-            </a:r>
-            <a:r>
-              <a:rPr lang="en-US" dirty="0"/>
-              <a:t>741–759 (2019). </a:t>
-            </a:r>
-            <a:r>
-              <a:rPr lang="en-US" dirty="0">
-                <a:hlinkClick r:id="rId3"/>
+            <a:pPr marL="342900" indent="-342900" rtl="0">
+              <a:buFont typeface="Arial" panose="020B0604020202020204" pitchFamily="34" charset="0"/>
+              <a:buChar char="•"/>
+            </a:pPr>
+            <a:r>
+              <a:rPr lang="de-DE" dirty="0"/>
+              <a:t>Hardware Security Module für Secrets</a:t>
+            </a:r>
+          </a:p>
+          <a:p>
+            <a:pPr marL="342900" indent="-342900" rtl="0">
+              <a:buFont typeface="Arial" panose="020B0604020202020204" pitchFamily="34" charset="0"/>
+              <a:buChar char="•"/>
+            </a:pPr>
+            <a:r>
+              <a:rPr lang="de-DE" dirty="0"/>
+              <a:t>Pepper</a:t>
+            </a:r>
+          </a:p>
+          <a:p>
+            <a:pPr marL="342900" indent="-342900" rtl="0">
+              <a:buFont typeface="Arial" panose="020B0604020202020204" pitchFamily="34" charset="0"/>
+              <a:buChar char="•"/>
+            </a:pPr>
+            <a:r>
+              <a:rPr lang="de-DE" dirty="0"/>
+              <a:t>Unterstützen von Passwortänderung</a:t>
+            </a:r>
+          </a:p>
+          <a:p>
+            <a:pPr marL="342900" indent="-342900" rtl="0">
+              <a:buFont typeface="Arial" panose="020B0604020202020204" pitchFamily="34" charset="0"/>
+              <a:buChar char="•"/>
+            </a:pPr>
+            <a:r>
+              <a:rPr lang="de-DE" dirty="0"/>
+              <a:t>Secure Attribut für Cookie erzwingen</a:t>
+            </a:r>
+          </a:p>
+          <a:p>
+            <a:pPr marL="342900" indent="-342900" rtl="0">
+              <a:buFont typeface="Arial" panose="020B0604020202020204" pitchFamily="34" charset="0"/>
+              <a:buChar char="•"/>
+            </a:pPr>
+            <a:r>
+              <a:rPr lang="de-DE" dirty="0"/>
+              <a:t>Ersatzseite/Server falls Ausfall</a:t>
+            </a:r>
+          </a:p>
+          <a:p>
+            <a:pPr marL="342900" indent="-342900" rtl="0">
+              <a:buFont typeface="Arial" panose="020B0604020202020204" pitchFamily="34" charset="0"/>
+              <a:buChar char="•"/>
+            </a:pPr>
+            <a:r>
+              <a:rPr lang="de-DE" dirty="0">
+                <a:solidFill>
+                  <a:schemeClr val="accent1"/>
+                </a:solidFill>
               </a:rPr>
-              <a:t>https://doi.org/10.1007/s10207-019-00429-y</a:t>
-            </a:r>
-            <a:endParaRPr lang="en-US" dirty="0"/>
-          </a:p>
-          <a:p>
+              <a:t>Pen-Tests, Pen-Tests, Pen-Tests!</a:t>
+            </a:r>
+          </a:p>
+          <a:p>
+            <a:pPr marL="342900" indent="-342900" rtl="0">
+              <a:buFont typeface="Arial" panose="020B0604020202020204" pitchFamily="34" charset="0"/>
+              <a:buChar char="•"/>
+            </a:pPr>
             <a:r>
               <a:rPr lang="de-DE" dirty="0"/>
-              <a:t>https://rdcu.be/cSuFc</a:t>
-            </a:r>
-          </a:p>
-          <a:p>
-            <a:pPr rtl="0"/>
-            <a:endParaRPr lang="de-DE" dirty="0"/>
+              <a:t>Live-Feedback bei Passworteingabe im Registerfeld</a:t>
+            </a:r>
+          </a:p>
+          <a:p>
+            <a:pPr marL="342900" indent="-342900" rtl="0">
+              <a:buFont typeface="Arial" panose="020B0604020202020204" pitchFamily="34" charset="0"/>
+              <a:buChar char="•"/>
+            </a:pPr>
+            <a:r>
+              <a:rPr lang="de-DE" dirty="0"/>
+              <a:t>Loggen: Belastung, Auslastung, zerstörerische Benutzergruppen</a:t>
+            </a:r>
+          </a:p>
+          <a:p>
+            <a:pPr marL="342900" indent="-342900" rtl="0">
+              <a:buFont typeface="Arial" panose="020B0604020202020204" pitchFamily="34" charset="0"/>
+              <a:buChar char="•"/>
+            </a:pPr>
+            <a:r>
+              <a:rPr lang="de-DE" dirty="0"/>
+              <a:t>Sperren von </a:t>
+            </a:r>
+            <a:r>
+              <a:rPr lang="de-DE" dirty="0" err="1"/>
+              <a:t>Ips</a:t>
+            </a:r>
+            <a:r>
+              <a:rPr lang="de-DE" dirty="0"/>
+              <a:t>/Regionen/Nutzeraccounts ermöglichen</a:t>
+            </a:r>
           </a:p>
         </p:txBody>
       </p:sp>
@@ -23355,8 +23569,8 @@
           <a:p>
             <a:pPr rtl="0"/>
             <a:r>
-              <a:rPr lang="de-DE"/>
-              <a:t>PRÄSENTATIONSTITEL</a:t>
+              <a:rPr lang="de-DE" dirty="0"/>
+              <a:t>Secure Software Engineering</a:t>
             </a:r>
           </a:p>
         </p:txBody>
@@ -23400,7 +23614,7 @@
     </p:spTree>
     <p:extLst>
       <p:ext uri="{BB962C8B-B14F-4D97-AF65-F5344CB8AC3E}">
-        <p14:creationId xmlns:p14="http://schemas.microsoft.com/office/powerpoint/2010/main" val="82194559"/>
+        <p14:creationId xmlns:p14="http://schemas.microsoft.com/office/powerpoint/2010/main" val="529259203"/>
       </p:ext>
     </p:extLst>
   </p:cSld>
@@ -23432,21 +23646,21 @@
           <p:cNvPr id="2" name="Titel 1">
             <a:extLst>
               <a:ext uri="{FF2B5EF4-FFF2-40B4-BE49-F238E27FC236}">
-                <a16:creationId xmlns:a16="http://schemas.microsoft.com/office/drawing/2014/main" id="{19256B7E-1633-44AB-8584-82DF5B726834}"/>
-              </a:ext>
-            </a:extLst>
-          </p:cNvPr>
-          <p:cNvSpPr>
-            <a:spLocks noGrp="1"/>
-          </p:cNvSpPr>
-          <p:nvPr>
-            <p:ph type="title"/>
-          </p:nvPr>
-        </p:nvSpPr>
-        <p:spPr>
-          <a:xfrm>
-            <a:off x="1167492" y="381000"/>
-            <a:ext cx="9779183" cy="1325563"/>
+                <a16:creationId xmlns:a16="http://schemas.microsoft.com/office/drawing/2014/main" id="{69FAE308-3076-43DB-B834-DA0B0AE19AF9}"/>
+              </a:ext>
+            </a:extLst>
+          </p:cNvPr>
+          <p:cNvSpPr>
+            <a:spLocks noGrp="1"/>
+          </p:cNvSpPr>
+          <p:nvPr>
+            <p:ph type="ctrTitle"/>
+          </p:nvPr>
+        </p:nvSpPr>
+        <p:spPr>
+          <a:xfrm>
+            <a:off x="1167494" y="1122363"/>
+            <a:ext cx="6220278" cy="2387600"/>
           </a:xfrm>
         </p:spPr>
         <p:txBody>
@@ -23456,294 +23670,51 @@
             <a:pPr rtl="0"/>
             <a:r>
               <a:rPr lang="de-DE" dirty="0"/>
-              <a:t>Bildquellen</a:t>
-            </a:r>
-          </a:p>
-        </p:txBody>
-      </p:sp>
-      <p:sp>
-        <p:nvSpPr>
-          <p:cNvPr id="4" name="Inhaltsplatzhalter 3">
-            <a:extLst>
-              <a:ext uri="{FF2B5EF4-FFF2-40B4-BE49-F238E27FC236}">
-                <a16:creationId xmlns:a16="http://schemas.microsoft.com/office/drawing/2014/main" id="{950677C9-3E42-427F-93B8-526692906471}"/>
-              </a:ext>
-            </a:extLst>
-          </p:cNvPr>
-          <p:cNvSpPr>
-            <a:spLocks noGrp="1"/>
-          </p:cNvSpPr>
-          <p:nvPr>
-            <p:ph idx="1"/>
-          </p:nvPr>
-        </p:nvSpPr>
-        <p:spPr>
-          <a:xfrm>
-            <a:off x="471638" y="2528203"/>
-            <a:ext cx="11203805" cy="2828613"/>
-          </a:xfrm>
-        </p:spPr>
-        <p:txBody>
-          <a:bodyPr vert="horz" lIns="91440" tIns="45720" rIns="91440" bIns="45720" rtlCol="0" anchor="t">
-            <a:normAutofit fontScale="92500" lnSpcReduction="10000"/>
+              <a:t>Fragen?</a:t>
+            </a:r>
+          </a:p>
+        </p:txBody>
+      </p:sp>
+      <p:sp>
+        <p:nvSpPr>
+          <p:cNvPr id="3" name="Inhaltsplatzhalter 2">
+            <a:extLst>
+              <a:ext uri="{FF2B5EF4-FFF2-40B4-BE49-F238E27FC236}">
+                <a16:creationId xmlns:a16="http://schemas.microsoft.com/office/drawing/2014/main" id="{BABC2CE0-8806-4B2A-A10A-32984D317434}"/>
+              </a:ext>
+            </a:extLst>
+          </p:cNvPr>
+          <p:cNvSpPr>
+            <a:spLocks noGrp="1"/>
+          </p:cNvSpPr>
+          <p:nvPr>
+            <p:ph type="subTitle" idx="1"/>
+          </p:nvPr>
+        </p:nvSpPr>
+        <p:spPr>
+          <a:xfrm>
+            <a:off x="1167493" y="3602038"/>
+            <a:ext cx="6220277" cy="2247219"/>
+          </a:xfrm>
+        </p:spPr>
+        <p:txBody>
+          <a:bodyPr rtlCol="0">
+            <a:normAutofit/>
           </a:bodyPr>
           <a:lstStyle/>
           <a:p>
             <a:pPr rtl="0"/>
             <a:r>
               <a:rPr lang="de-DE" dirty="0"/>
-              <a:t>„Schloss öffnen Icons“ erstellt von </a:t>
-            </a:r>
-            <a:r>
-              <a:rPr lang="de-DE" dirty="0" err="1"/>
-              <a:t>Ehtisham</a:t>
-            </a:r>
-            <a:r>
-              <a:rPr lang="de-DE" dirty="0"/>
-              <a:t> Abid – </a:t>
-            </a:r>
-            <a:r>
-              <a:rPr lang="de-DE" dirty="0" err="1"/>
-              <a:t>Flaticon</a:t>
-            </a:r>
-            <a:r>
-              <a:rPr lang="de-DE" dirty="0"/>
-              <a:t> </a:t>
-            </a:r>
-            <a:r>
-              <a:rPr lang="de-DE" dirty="0">
-                <a:hlinkClick r:id="rId3"/>
-              </a:rPr>
-              <a:t>https://www.flaticon.com/de/kostenlose-icons/schloss-offnen</a:t>
-            </a:r>
-            <a:endParaRPr lang="de-DE" dirty="0"/>
-          </a:p>
-          <a:p>
-            <a:pPr rtl="0"/>
-            <a:endParaRPr lang="de-DE" dirty="0"/>
-          </a:p>
-          <a:p>
-            <a:pPr rtl="0"/>
-            <a:r>
-              <a:rPr lang="en-US" dirty="0"/>
-              <a:t>“Cookie icons” </a:t>
-            </a:r>
-            <a:r>
-              <a:rPr lang="en-US" dirty="0" err="1"/>
-              <a:t>erstellt</a:t>
-            </a:r>
-            <a:r>
-              <a:rPr lang="en-US" dirty="0"/>
-              <a:t> von </a:t>
-            </a:r>
-            <a:r>
-              <a:rPr lang="en-US" dirty="0" err="1"/>
-              <a:t>Smashicons</a:t>
-            </a:r>
-            <a:r>
-              <a:rPr lang="en-US" dirty="0"/>
-              <a:t> - </a:t>
-            </a:r>
-            <a:r>
-              <a:rPr lang="en-US" dirty="0" err="1"/>
-              <a:t>Flaticon</a:t>
-            </a:r>
-            <a:r>
-              <a:rPr lang="en-US" dirty="0"/>
-              <a:t> </a:t>
-            </a:r>
-            <a:r>
-              <a:rPr lang="en-US" dirty="0">
-                <a:hlinkClick r:id="rId4"/>
-              </a:rPr>
-              <a:t>https://www.flaticon.com/free-icons/cookie</a:t>
-            </a:r>
-            <a:endParaRPr lang="en-US" dirty="0"/>
-          </a:p>
-          <a:p>
-            <a:pPr rtl="0"/>
-            <a:endParaRPr lang="en-US" dirty="0"/>
-          </a:p>
-          <a:p>
-            <a:pPr rtl="0"/>
-            <a:r>
-              <a:rPr lang="de-DE" dirty="0"/>
-              <a:t>„</a:t>
-            </a:r>
-            <a:r>
-              <a:rPr lang="de-DE" dirty="0" err="1"/>
-              <a:t>durchlaufzeit</a:t>
-            </a:r>
-            <a:r>
-              <a:rPr lang="de-DE" dirty="0"/>
-              <a:t> Icons“ erstellt von </a:t>
-            </a:r>
-            <a:r>
-              <a:rPr lang="de-DE" dirty="0" err="1"/>
-              <a:t>Aranagraphics</a:t>
-            </a:r>
-            <a:r>
-              <a:rPr lang="de-DE" dirty="0"/>
-              <a:t> - </a:t>
-            </a:r>
-            <a:r>
-              <a:rPr lang="de-DE" dirty="0" err="1"/>
-              <a:t>Flaticon</a:t>
-            </a:r>
-            <a:r>
-              <a:rPr lang="de-DE" dirty="0"/>
-              <a:t> </a:t>
-            </a:r>
-            <a:r>
-              <a:rPr lang="de-DE" dirty="0">
-                <a:hlinkClick r:id="rId5"/>
-              </a:rPr>
-              <a:t>https://www.flaticon.com/de/kostenlose-icons/durchlaufzeit</a:t>
-            </a:r>
-            <a:endParaRPr lang="de-DE" dirty="0"/>
-          </a:p>
-          <a:p>
-            <a:pPr rtl="0"/>
-            <a:r>
-              <a:rPr lang="de-DE" dirty="0"/>
-              <a:t>&lt;a </a:t>
-            </a:r>
-            <a:r>
-              <a:rPr lang="de-DE" dirty="0" err="1"/>
-              <a:t>href</a:t>
-            </a:r>
-            <a:r>
-              <a:rPr lang="de-DE" dirty="0"/>
-              <a:t>="https://www.flaticon.com/de/kostenlose-icons/abgelehnt" title="abgelehnt Icons"&gt;Abgelehnt Icons erstellt von </a:t>
-            </a:r>
-            <a:r>
-              <a:rPr lang="de-DE" dirty="0" err="1"/>
-              <a:t>Slidicon</a:t>
-            </a:r>
-            <a:r>
-              <a:rPr lang="de-DE" dirty="0"/>
-              <a:t> - </a:t>
-            </a:r>
-            <a:r>
-              <a:rPr lang="de-DE" dirty="0" err="1"/>
-              <a:t>Flaticon</a:t>
-            </a:r>
-            <a:r>
-              <a:rPr lang="de-DE" dirty="0"/>
-              <a:t>&lt;/a&gt;</a:t>
-            </a:r>
-          </a:p>
-        </p:txBody>
-      </p:sp>
-      <p:sp>
-        <p:nvSpPr>
-          <p:cNvPr id="7" name="Datumsplatzhalter 6">
-            <a:extLst>
-              <a:ext uri="{FF2B5EF4-FFF2-40B4-BE49-F238E27FC236}">
-                <a16:creationId xmlns:a16="http://schemas.microsoft.com/office/drawing/2014/main" id="{1EB64BEF-8367-144A-9F53-7A1282A32569}"/>
-              </a:ext>
-            </a:extLst>
-          </p:cNvPr>
-          <p:cNvSpPr>
-            <a:spLocks noGrp="1"/>
-          </p:cNvSpPr>
-          <p:nvPr>
-            <p:ph type="dt" sz="half" idx="2"/>
-          </p:nvPr>
-        </p:nvSpPr>
-        <p:spPr>
-          <a:xfrm>
-            <a:off x="381000" y="6356350"/>
-            <a:ext cx="2743200" cy="365125"/>
-          </a:xfrm>
-        </p:spPr>
-        <p:txBody>
-          <a:bodyPr rtlCol="0"/>
-          <a:lstStyle/>
-          <a:p>
-            <a:pPr rtl="0"/>
-            <a:fld id="{1B94AAA2-D0F1-4CE9-8FD5-D8FF47B718B4}" type="datetime1">
-              <a:rPr lang="de-DE" smtClean="0"/>
-              <a:t>27.07.2022</a:t>
-            </a:fld>
-            <a:endParaRPr lang="de-DE"/>
-          </a:p>
-        </p:txBody>
-      </p:sp>
-      <p:sp>
-        <p:nvSpPr>
-          <p:cNvPr id="8" name="Fußzeilenplatzhalter 7">
-            <a:extLst>
-              <a:ext uri="{FF2B5EF4-FFF2-40B4-BE49-F238E27FC236}">
-                <a16:creationId xmlns:a16="http://schemas.microsoft.com/office/drawing/2014/main" id="{0DD1986A-9AF9-5C45-BE85-20D5AA267AE1}"/>
-              </a:ext>
-            </a:extLst>
-          </p:cNvPr>
-          <p:cNvSpPr>
-            <a:spLocks noGrp="1"/>
-          </p:cNvSpPr>
-          <p:nvPr>
-            <p:ph type="ftr" sz="quarter" idx="3"/>
-          </p:nvPr>
-        </p:nvSpPr>
-        <p:spPr>
-          <a:xfrm>
-            <a:off x="4038600" y="6356350"/>
-            <a:ext cx="4114800" cy="365125"/>
-          </a:xfrm>
-        </p:spPr>
-        <p:txBody>
-          <a:bodyPr rtlCol="0"/>
-          <a:lstStyle/>
-          <a:p>
-            <a:pPr rtl="0"/>
-            <a:r>
-              <a:rPr lang="de-DE"/>
-              <a:t>PRÄSENTATIONSTITEL</a:t>
-            </a:r>
-          </a:p>
-        </p:txBody>
-      </p:sp>
-      <p:sp>
-        <p:nvSpPr>
-          <p:cNvPr id="9" name="Foliennummernplatzhalter 8">
-            <a:extLst>
-              <a:ext uri="{FF2B5EF4-FFF2-40B4-BE49-F238E27FC236}">
-                <a16:creationId xmlns:a16="http://schemas.microsoft.com/office/drawing/2014/main" id="{6FD448B0-743E-0045-8131-69B4EEC58365}"/>
-              </a:ext>
-            </a:extLst>
-          </p:cNvPr>
-          <p:cNvSpPr>
-            <a:spLocks noGrp="1"/>
-          </p:cNvSpPr>
-          <p:nvPr>
-            <p:ph type="sldNum" sz="quarter" idx="4"/>
-          </p:nvPr>
-        </p:nvSpPr>
-        <p:spPr>
-          <a:xfrm>
-            <a:off x="10153276" y="6356350"/>
-            <a:ext cx="1657723" cy="365125"/>
-          </a:xfrm>
-        </p:spPr>
-        <p:txBody>
-          <a:bodyPr rtlCol="0"/>
-          <a:lstStyle/>
-          <a:p>
-            <a:pPr rtl="0"/>
-            <a:fld id="{294A09A9-5501-47C1-A89A-A340965A2BE2}" type="slidenum">
-              <a:rPr lang="de-DE" smtClean="0"/>
-              <a:pPr rtl="0"/>
-              <a:t>29</a:t>
-            </a:fld>
-            <a:endParaRPr lang="de-DE"/>
+              <a:t>Gleich Live Demo</a:t>
+            </a:r>
           </a:p>
         </p:txBody>
       </p:sp>
     </p:spTree>
     <p:extLst>
       <p:ext uri="{BB962C8B-B14F-4D97-AF65-F5344CB8AC3E}">
-        <p14:creationId xmlns:p14="http://schemas.microsoft.com/office/powerpoint/2010/main" val="792775126"/>
+        <p14:creationId xmlns:p14="http://schemas.microsoft.com/office/powerpoint/2010/main" val="926184573"/>
       </p:ext>
     </p:extLst>
   </p:cSld>
@@ -24707,6 +24678,599 @@
     <p:extLst>
       <p:ext uri="{BB962C8B-B14F-4D97-AF65-F5344CB8AC3E}">
         <p14:creationId xmlns:p14="http://schemas.microsoft.com/office/powerpoint/2010/main" val="3335690284"/>
+      </p:ext>
+    </p:extLst>
+  </p:cSld>
+  <p:clrMapOvr>
+    <a:masterClrMapping/>
+  </p:clrMapOvr>
+</p:sld>
+</file>
+
+<file path=ppt/slides/slide30.xml><?xml version="1.0" encoding="utf-8"?>
+<p:sld xmlns:a="http://schemas.openxmlformats.org/drawingml/2006/main" xmlns:r="http://schemas.openxmlformats.org/officeDocument/2006/relationships" xmlns:p="http://schemas.openxmlformats.org/presentationml/2006/main">
+  <p:cSld>
+    <p:spTree>
+      <p:nvGrpSpPr>
+        <p:cNvPr id="1" name=""/>
+        <p:cNvGrpSpPr/>
+        <p:nvPr/>
+      </p:nvGrpSpPr>
+      <p:grpSpPr>
+        <a:xfrm>
+          <a:off x="0" y="0"/>
+          <a:ext cx="0" cy="0"/>
+          <a:chOff x="0" y="0"/>
+          <a:chExt cx="0" cy="0"/>
+        </a:xfrm>
+      </p:grpSpPr>
+      <p:sp>
+        <p:nvSpPr>
+          <p:cNvPr id="2" name="Titel 1">
+            <a:extLst>
+              <a:ext uri="{FF2B5EF4-FFF2-40B4-BE49-F238E27FC236}">
+                <a16:creationId xmlns:a16="http://schemas.microsoft.com/office/drawing/2014/main" id="{19256B7E-1633-44AB-8584-82DF5B726834}"/>
+              </a:ext>
+            </a:extLst>
+          </p:cNvPr>
+          <p:cNvSpPr>
+            <a:spLocks noGrp="1"/>
+          </p:cNvSpPr>
+          <p:nvPr>
+            <p:ph type="title"/>
+          </p:nvPr>
+        </p:nvSpPr>
+        <p:spPr>
+          <a:xfrm>
+            <a:off x="1167492" y="381000"/>
+            <a:ext cx="9779183" cy="1325563"/>
+          </a:xfrm>
+        </p:spPr>
+        <p:txBody>
+          <a:bodyPr rtlCol="0"/>
+          <a:lstStyle/>
+          <a:p>
+            <a:pPr rtl="0"/>
+            <a:r>
+              <a:rPr lang="de-DE" dirty="0"/>
+              <a:t>Passwort-Studie</a:t>
+            </a:r>
+          </a:p>
+        </p:txBody>
+      </p:sp>
+      <p:sp>
+        <p:nvSpPr>
+          <p:cNvPr id="4" name="Inhaltsplatzhalter 3">
+            <a:extLst>
+              <a:ext uri="{FF2B5EF4-FFF2-40B4-BE49-F238E27FC236}">
+                <a16:creationId xmlns:a16="http://schemas.microsoft.com/office/drawing/2014/main" id="{950677C9-3E42-427F-93B8-526692906471}"/>
+              </a:ext>
+            </a:extLst>
+          </p:cNvPr>
+          <p:cNvSpPr>
+            <a:spLocks noGrp="1"/>
+          </p:cNvSpPr>
+          <p:nvPr>
+            <p:ph idx="1"/>
+          </p:nvPr>
+        </p:nvSpPr>
+        <p:spPr>
+          <a:xfrm>
+            <a:off x="471638" y="2528203"/>
+            <a:ext cx="11203805" cy="2828613"/>
+          </a:xfrm>
+        </p:spPr>
+        <p:txBody>
+          <a:bodyPr vert="horz" lIns="91440" tIns="45720" rIns="91440" bIns="45720" rtlCol="0" anchor="t">
+            <a:normAutofit/>
+          </a:bodyPr>
+          <a:lstStyle/>
+          <a:p>
+            <a:pPr rtl="0"/>
+            <a:r>
+              <a:rPr lang="en-US" dirty="0" err="1"/>
+              <a:t>Yıldırım</a:t>
+            </a:r>
+            <a:r>
+              <a:rPr lang="en-US" dirty="0"/>
+              <a:t>, M., Mackie, I. Encouraging users to improve password security and memorability. </a:t>
+            </a:r>
+            <a:r>
+              <a:rPr lang="en-US" i="1" dirty="0"/>
+              <a:t>Int. J. Inf. </a:t>
+            </a:r>
+            <a:r>
+              <a:rPr lang="en-US" i="1" dirty="0" err="1"/>
+              <a:t>Secur</a:t>
+            </a:r>
+            <a:r>
+              <a:rPr lang="en-US" i="1" dirty="0"/>
+              <a:t>.</a:t>
+            </a:r>
+            <a:r>
+              <a:rPr lang="en-US" dirty="0"/>
+              <a:t> </a:t>
+            </a:r>
+            <a:r>
+              <a:rPr lang="en-US" b="1" dirty="0"/>
+              <a:t>18, </a:t>
+            </a:r>
+            <a:r>
+              <a:rPr lang="en-US" dirty="0"/>
+              <a:t>741–759 (2019). </a:t>
+            </a:r>
+            <a:r>
+              <a:rPr lang="en-US" dirty="0">
+                <a:hlinkClick r:id="rId3"/>
+              </a:rPr>
+              <a:t>https://doi.org/10.1007/s10207-019-00429-y</a:t>
+            </a:r>
+            <a:endParaRPr lang="en-US" dirty="0"/>
+          </a:p>
+          <a:p>
+            <a:r>
+              <a:rPr lang="de-DE" dirty="0"/>
+              <a:t>https://rdcu.be/cSuFc</a:t>
+            </a:r>
+          </a:p>
+          <a:p>
+            <a:pPr rtl="0"/>
+            <a:endParaRPr lang="de-DE" dirty="0"/>
+          </a:p>
+        </p:txBody>
+      </p:sp>
+      <p:sp>
+        <p:nvSpPr>
+          <p:cNvPr id="7" name="Datumsplatzhalter 6">
+            <a:extLst>
+              <a:ext uri="{FF2B5EF4-FFF2-40B4-BE49-F238E27FC236}">
+                <a16:creationId xmlns:a16="http://schemas.microsoft.com/office/drawing/2014/main" id="{1EB64BEF-8367-144A-9F53-7A1282A32569}"/>
+              </a:ext>
+            </a:extLst>
+          </p:cNvPr>
+          <p:cNvSpPr>
+            <a:spLocks noGrp="1"/>
+          </p:cNvSpPr>
+          <p:nvPr>
+            <p:ph type="dt" sz="half" idx="2"/>
+          </p:nvPr>
+        </p:nvSpPr>
+        <p:spPr>
+          <a:xfrm>
+            <a:off x="381000" y="6356350"/>
+            <a:ext cx="2743200" cy="365125"/>
+          </a:xfrm>
+        </p:spPr>
+        <p:txBody>
+          <a:bodyPr rtlCol="0"/>
+          <a:lstStyle/>
+          <a:p>
+            <a:pPr rtl="0"/>
+            <a:fld id="{1B94AAA2-D0F1-4CE9-8FD5-D8FF47B718B4}" type="datetime1">
+              <a:rPr lang="de-DE" smtClean="0"/>
+              <a:t>27.07.2022</a:t>
+            </a:fld>
+            <a:endParaRPr lang="de-DE"/>
+          </a:p>
+        </p:txBody>
+      </p:sp>
+      <p:sp>
+        <p:nvSpPr>
+          <p:cNvPr id="8" name="Fußzeilenplatzhalter 7">
+            <a:extLst>
+              <a:ext uri="{FF2B5EF4-FFF2-40B4-BE49-F238E27FC236}">
+                <a16:creationId xmlns:a16="http://schemas.microsoft.com/office/drawing/2014/main" id="{0DD1986A-9AF9-5C45-BE85-20D5AA267AE1}"/>
+              </a:ext>
+            </a:extLst>
+          </p:cNvPr>
+          <p:cNvSpPr>
+            <a:spLocks noGrp="1"/>
+          </p:cNvSpPr>
+          <p:nvPr>
+            <p:ph type="ftr" sz="quarter" idx="3"/>
+          </p:nvPr>
+        </p:nvSpPr>
+        <p:spPr>
+          <a:xfrm>
+            <a:off x="4038600" y="6356350"/>
+            <a:ext cx="4114800" cy="365125"/>
+          </a:xfrm>
+        </p:spPr>
+        <p:txBody>
+          <a:bodyPr rtlCol="0"/>
+          <a:lstStyle/>
+          <a:p>
+            <a:pPr rtl="0"/>
+            <a:r>
+              <a:rPr lang="de-DE" dirty="0"/>
+              <a:t>Secure Software Engineering</a:t>
+            </a:r>
+          </a:p>
+        </p:txBody>
+      </p:sp>
+      <p:sp>
+        <p:nvSpPr>
+          <p:cNvPr id="9" name="Foliennummernplatzhalter 8">
+            <a:extLst>
+              <a:ext uri="{FF2B5EF4-FFF2-40B4-BE49-F238E27FC236}">
+                <a16:creationId xmlns:a16="http://schemas.microsoft.com/office/drawing/2014/main" id="{6FD448B0-743E-0045-8131-69B4EEC58365}"/>
+              </a:ext>
+            </a:extLst>
+          </p:cNvPr>
+          <p:cNvSpPr>
+            <a:spLocks noGrp="1"/>
+          </p:cNvSpPr>
+          <p:nvPr>
+            <p:ph type="sldNum" sz="quarter" idx="4"/>
+          </p:nvPr>
+        </p:nvSpPr>
+        <p:spPr>
+          <a:xfrm>
+            <a:off x="10153276" y="6356350"/>
+            <a:ext cx="1657723" cy="365125"/>
+          </a:xfrm>
+        </p:spPr>
+        <p:txBody>
+          <a:bodyPr rtlCol="0"/>
+          <a:lstStyle/>
+          <a:p>
+            <a:pPr rtl="0"/>
+            <a:fld id="{294A09A9-5501-47C1-A89A-A340965A2BE2}" type="slidenum">
+              <a:rPr lang="de-DE" smtClean="0"/>
+              <a:pPr rtl="0"/>
+              <a:t>30</a:t>
+            </a:fld>
+            <a:endParaRPr lang="de-DE"/>
+          </a:p>
+        </p:txBody>
+      </p:sp>
+    </p:spTree>
+    <p:extLst>
+      <p:ext uri="{BB962C8B-B14F-4D97-AF65-F5344CB8AC3E}">
+        <p14:creationId xmlns:p14="http://schemas.microsoft.com/office/powerpoint/2010/main" val="82194559"/>
+      </p:ext>
+    </p:extLst>
+  </p:cSld>
+  <p:clrMapOvr>
+    <a:masterClrMapping/>
+  </p:clrMapOvr>
+</p:sld>
+</file>
+
+<file path=ppt/slides/slide31.xml><?xml version="1.0" encoding="utf-8"?>
+<p:sld xmlns:a="http://schemas.openxmlformats.org/drawingml/2006/main" xmlns:r="http://schemas.openxmlformats.org/officeDocument/2006/relationships" xmlns:p="http://schemas.openxmlformats.org/presentationml/2006/main">
+  <p:cSld>
+    <p:spTree>
+      <p:nvGrpSpPr>
+        <p:cNvPr id="1" name=""/>
+        <p:cNvGrpSpPr/>
+        <p:nvPr/>
+      </p:nvGrpSpPr>
+      <p:grpSpPr>
+        <a:xfrm>
+          <a:off x="0" y="0"/>
+          <a:ext cx="0" cy="0"/>
+          <a:chOff x="0" y="0"/>
+          <a:chExt cx="0" cy="0"/>
+        </a:xfrm>
+      </p:grpSpPr>
+      <p:sp>
+        <p:nvSpPr>
+          <p:cNvPr id="2" name="Titel 1">
+            <a:extLst>
+              <a:ext uri="{FF2B5EF4-FFF2-40B4-BE49-F238E27FC236}">
+                <a16:creationId xmlns:a16="http://schemas.microsoft.com/office/drawing/2014/main" id="{19256B7E-1633-44AB-8584-82DF5B726834}"/>
+              </a:ext>
+            </a:extLst>
+          </p:cNvPr>
+          <p:cNvSpPr>
+            <a:spLocks noGrp="1"/>
+          </p:cNvSpPr>
+          <p:nvPr>
+            <p:ph type="title"/>
+          </p:nvPr>
+        </p:nvSpPr>
+        <p:spPr>
+          <a:xfrm>
+            <a:off x="1167492" y="381000"/>
+            <a:ext cx="9779183" cy="1325563"/>
+          </a:xfrm>
+        </p:spPr>
+        <p:txBody>
+          <a:bodyPr rtlCol="0"/>
+          <a:lstStyle/>
+          <a:p>
+            <a:pPr rtl="0"/>
+            <a:r>
+              <a:rPr lang="de-DE" dirty="0"/>
+              <a:t>Bildquellen</a:t>
+            </a:r>
+          </a:p>
+        </p:txBody>
+      </p:sp>
+      <p:sp>
+        <p:nvSpPr>
+          <p:cNvPr id="4" name="Inhaltsplatzhalter 3">
+            <a:extLst>
+              <a:ext uri="{FF2B5EF4-FFF2-40B4-BE49-F238E27FC236}">
+                <a16:creationId xmlns:a16="http://schemas.microsoft.com/office/drawing/2014/main" id="{950677C9-3E42-427F-93B8-526692906471}"/>
+              </a:ext>
+            </a:extLst>
+          </p:cNvPr>
+          <p:cNvSpPr>
+            <a:spLocks noGrp="1"/>
+          </p:cNvSpPr>
+          <p:nvPr>
+            <p:ph idx="1"/>
+          </p:nvPr>
+        </p:nvSpPr>
+        <p:spPr>
+          <a:xfrm>
+            <a:off x="471638" y="2528203"/>
+            <a:ext cx="11203805" cy="2828613"/>
+          </a:xfrm>
+        </p:spPr>
+        <p:txBody>
+          <a:bodyPr vert="horz" lIns="91440" tIns="45720" rIns="91440" bIns="45720" rtlCol="0" anchor="t">
+            <a:normAutofit fontScale="92500" lnSpcReduction="10000"/>
+          </a:bodyPr>
+          <a:lstStyle/>
+          <a:p>
+            <a:pPr rtl="0"/>
+            <a:r>
+              <a:rPr lang="de-DE" dirty="0"/>
+              <a:t>„Schloss öffnen Icons“ erstellt von </a:t>
+            </a:r>
+            <a:r>
+              <a:rPr lang="de-DE" dirty="0" err="1"/>
+              <a:t>Ehtisham</a:t>
+            </a:r>
+            <a:r>
+              <a:rPr lang="de-DE" dirty="0"/>
+              <a:t> Abid – </a:t>
+            </a:r>
+            <a:r>
+              <a:rPr lang="de-DE" dirty="0" err="1"/>
+              <a:t>Flaticon</a:t>
+            </a:r>
+            <a:r>
+              <a:rPr lang="de-DE" dirty="0"/>
+              <a:t> </a:t>
+            </a:r>
+            <a:r>
+              <a:rPr lang="de-DE" dirty="0">
+                <a:hlinkClick r:id="rId3"/>
+              </a:rPr>
+              <a:t>https://www.flaticon.com/de/kostenlose-icons/schloss-offnen</a:t>
+            </a:r>
+            <a:endParaRPr lang="de-DE" dirty="0"/>
+          </a:p>
+          <a:p>
+            <a:pPr rtl="0"/>
+            <a:endParaRPr lang="de-DE" dirty="0"/>
+          </a:p>
+          <a:p>
+            <a:pPr rtl="0"/>
+            <a:r>
+              <a:rPr lang="en-US" dirty="0"/>
+              <a:t>“Cookie icons” </a:t>
+            </a:r>
+            <a:r>
+              <a:rPr lang="en-US" dirty="0" err="1"/>
+              <a:t>erstellt</a:t>
+            </a:r>
+            <a:r>
+              <a:rPr lang="en-US" dirty="0"/>
+              <a:t> von </a:t>
+            </a:r>
+            <a:r>
+              <a:rPr lang="en-US" dirty="0" err="1"/>
+              <a:t>Smashicons</a:t>
+            </a:r>
+            <a:r>
+              <a:rPr lang="en-US" dirty="0"/>
+              <a:t> - </a:t>
+            </a:r>
+            <a:r>
+              <a:rPr lang="en-US" dirty="0" err="1"/>
+              <a:t>Flaticon</a:t>
+            </a:r>
+            <a:r>
+              <a:rPr lang="en-US" dirty="0"/>
+              <a:t> </a:t>
+            </a:r>
+            <a:r>
+              <a:rPr lang="en-US" dirty="0">
+                <a:hlinkClick r:id="rId4"/>
+              </a:rPr>
+              <a:t>https://www.flaticon.com/free-icons/cookie</a:t>
+            </a:r>
+            <a:endParaRPr lang="en-US" dirty="0"/>
+          </a:p>
+          <a:p>
+            <a:pPr rtl="0"/>
+            <a:endParaRPr lang="en-US" dirty="0"/>
+          </a:p>
+          <a:p>
+            <a:pPr rtl="0"/>
+            <a:r>
+              <a:rPr lang="de-DE" dirty="0"/>
+              <a:t>„</a:t>
+            </a:r>
+            <a:r>
+              <a:rPr lang="de-DE" dirty="0" err="1"/>
+              <a:t>durchlaufzeit</a:t>
+            </a:r>
+            <a:r>
+              <a:rPr lang="de-DE" dirty="0"/>
+              <a:t> Icons“ erstellt von </a:t>
+            </a:r>
+            <a:r>
+              <a:rPr lang="de-DE" dirty="0" err="1"/>
+              <a:t>Aranagraphics</a:t>
+            </a:r>
+            <a:r>
+              <a:rPr lang="de-DE" dirty="0"/>
+              <a:t> - </a:t>
+            </a:r>
+            <a:r>
+              <a:rPr lang="de-DE" dirty="0" err="1"/>
+              <a:t>Flaticon</a:t>
+            </a:r>
+            <a:r>
+              <a:rPr lang="de-DE" dirty="0"/>
+              <a:t> </a:t>
+            </a:r>
+            <a:r>
+              <a:rPr lang="de-DE" dirty="0">
+                <a:hlinkClick r:id="rId5"/>
+              </a:rPr>
+              <a:t>https://www.flaticon.com/de/kostenlose-icons/durchlaufzeit</a:t>
+            </a:r>
+            <a:endParaRPr lang="de-DE" dirty="0"/>
+          </a:p>
+          <a:p>
+            <a:pPr rtl="0"/>
+            <a:r>
+              <a:rPr lang="de-DE" dirty="0"/>
+              <a:t>&lt;a </a:t>
+            </a:r>
+            <a:r>
+              <a:rPr lang="de-DE" dirty="0" err="1"/>
+              <a:t>href</a:t>
+            </a:r>
+            <a:r>
+              <a:rPr lang="de-DE" dirty="0"/>
+              <a:t>="https://www.flaticon.com/de/kostenlose-icons/abgelehnt" title="abgelehnt Icons"&gt;Abgelehnt Icons erstellt von </a:t>
+            </a:r>
+            <a:r>
+              <a:rPr lang="de-DE" dirty="0" err="1"/>
+              <a:t>Slidicon</a:t>
+            </a:r>
+            <a:r>
+              <a:rPr lang="de-DE" dirty="0"/>
+              <a:t> - </a:t>
+            </a:r>
+            <a:r>
+              <a:rPr lang="de-DE" dirty="0" err="1"/>
+              <a:t>Flaticon</a:t>
+            </a:r>
+            <a:r>
+              <a:rPr lang="de-DE" dirty="0"/>
+              <a:t>&lt;/a&gt;</a:t>
+            </a:r>
+          </a:p>
+        </p:txBody>
+      </p:sp>
+      <p:sp>
+        <p:nvSpPr>
+          <p:cNvPr id="7" name="Datumsplatzhalter 6">
+            <a:extLst>
+              <a:ext uri="{FF2B5EF4-FFF2-40B4-BE49-F238E27FC236}">
+                <a16:creationId xmlns:a16="http://schemas.microsoft.com/office/drawing/2014/main" id="{1EB64BEF-8367-144A-9F53-7A1282A32569}"/>
+              </a:ext>
+            </a:extLst>
+          </p:cNvPr>
+          <p:cNvSpPr>
+            <a:spLocks noGrp="1"/>
+          </p:cNvSpPr>
+          <p:nvPr>
+            <p:ph type="dt" sz="half" idx="2"/>
+          </p:nvPr>
+        </p:nvSpPr>
+        <p:spPr>
+          <a:xfrm>
+            <a:off x="381000" y="6356350"/>
+            <a:ext cx="2743200" cy="365125"/>
+          </a:xfrm>
+        </p:spPr>
+        <p:txBody>
+          <a:bodyPr rtlCol="0"/>
+          <a:lstStyle/>
+          <a:p>
+            <a:pPr rtl="0"/>
+            <a:fld id="{1B94AAA2-D0F1-4CE9-8FD5-D8FF47B718B4}" type="datetime1">
+              <a:rPr lang="de-DE" smtClean="0"/>
+              <a:t>27.07.2022</a:t>
+            </a:fld>
+            <a:endParaRPr lang="de-DE"/>
+          </a:p>
+        </p:txBody>
+      </p:sp>
+      <p:sp>
+        <p:nvSpPr>
+          <p:cNvPr id="8" name="Fußzeilenplatzhalter 7">
+            <a:extLst>
+              <a:ext uri="{FF2B5EF4-FFF2-40B4-BE49-F238E27FC236}">
+                <a16:creationId xmlns:a16="http://schemas.microsoft.com/office/drawing/2014/main" id="{0DD1986A-9AF9-5C45-BE85-20D5AA267AE1}"/>
+              </a:ext>
+            </a:extLst>
+          </p:cNvPr>
+          <p:cNvSpPr>
+            <a:spLocks noGrp="1"/>
+          </p:cNvSpPr>
+          <p:nvPr>
+            <p:ph type="ftr" sz="quarter" idx="3"/>
+          </p:nvPr>
+        </p:nvSpPr>
+        <p:spPr>
+          <a:xfrm>
+            <a:off x="4038600" y="6356350"/>
+            <a:ext cx="4114800" cy="365125"/>
+          </a:xfrm>
+        </p:spPr>
+        <p:txBody>
+          <a:bodyPr rtlCol="0"/>
+          <a:lstStyle/>
+          <a:p>
+            <a:pPr rtl="0"/>
+            <a:r>
+              <a:rPr lang="de-DE" dirty="0"/>
+              <a:t>Secure Software Engineering</a:t>
+            </a:r>
+          </a:p>
+        </p:txBody>
+      </p:sp>
+      <p:sp>
+        <p:nvSpPr>
+          <p:cNvPr id="9" name="Foliennummernplatzhalter 8">
+            <a:extLst>
+              <a:ext uri="{FF2B5EF4-FFF2-40B4-BE49-F238E27FC236}">
+                <a16:creationId xmlns:a16="http://schemas.microsoft.com/office/drawing/2014/main" id="{6FD448B0-743E-0045-8131-69B4EEC58365}"/>
+              </a:ext>
+            </a:extLst>
+          </p:cNvPr>
+          <p:cNvSpPr>
+            <a:spLocks noGrp="1"/>
+          </p:cNvSpPr>
+          <p:nvPr>
+            <p:ph type="sldNum" sz="quarter" idx="4"/>
+          </p:nvPr>
+        </p:nvSpPr>
+        <p:spPr>
+          <a:xfrm>
+            <a:off x="10153276" y="6356350"/>
+            <a:ext cx="1657723" cy="365125"/>
+          </a:xfrm>
+        </p:spPr>
+        <p:txBody>
+          <a:bodyPr rtlCol="0"/>
+          <a:lstStyle/>
+          <a:p>
+            <a:pPr rtl="0"/>
+            <a:fld id="{294A09A9-5501-47C1-A89A-A340965A2BE2}" type="slidenum">
+              <a:rPr lang="de-DE" smtClean="0"/>
+              <a:pPr rtl="0"/>
+              <a:t>31</a:t>
+            </a:fld>
+            <a:endParaRPr lang="de-DE"/>
+          </a:p>
+        </p:txBody>
+      </p:sp>
+    </p:spTree>
+    <p:extLst>
+      <p:ext uri="{BB962C8B-B14F-4D97-AF65-F5344CB8AC3E}">
+        <p14:creationId xmlns:p14="http://schemas.microsoft.com/office/powerpoint/2010/main" val="792775126"/>
       </p:ext>
     </p:extLst>
   </p:cSld>
@@ -29843,12 +30407,22 @@
 </file>
 
 <file path=customXml/item1.xml><?xml version="1.0" encoding="utf-8"?>
-<?mso-contentType ?>
-<FormTemplates xmlns="http://schemas.microsoft.com/sharepoint/v3/contenttype/forms">
-  <Display>DocumentLibraryForm</Display>
-  <Edit>DocumentLibraryForm</Edit>
-  <New>DocumentLibraryForm</New>
-</FormTemplates>
+<p:properties xmlns:p="http://schemas.microsoft.com/office/2006/metadata/properties" xmlns:xsi="http://www.w3.org/2001/XMLSchema-instance" xmlns:pc="http://schemas.microsoft.com/office/infopath/2007/PartnerControls">
+  <documentManagement>
+    <_ip_UnifiedCompliancePolicyUIAction xmlns="http://schemas.microsoft.com/sharepoint/v3" xsi:nil="true"/>
+    <Image xmlns="71af3243-3dd4-4a8d-8c0d-dd76da1f02a5">
+      <Url xsi:nil="true"/>
+      <Description xsi:nil="true"/>
+    </Image>
+    <Status xmlns="71af3243-3dd4-4a8d-8c0d-dd76da1f02a5" xsi:nil="true"/>
+    <_ip_UnifiedCompliancePolicyProperties xmlns="http://schemas.microsoft.com/sharepoint/v3" xsi:nil="true"/>
+    <ImageTagsTaxHTField xmlns="71af3243-3dd4-4a8d-8c0d-dd76da1f02a5">
+      <Terms xmlns="http://schemas.microsoft.com/office/infopath/2007/PartnerControls"/>
+    </ImageTagsTaxHTField>
+    <TaxCatchAll xmlns="230e9df3-be65-4c73-a93b-d1236ebd677e"/>
+    <MediaServiceKeyPoints xmlns="71af3243-3dd4-4a8d-8c0d-dd76da1f02a5" xsi:nil="true"/>
+  </documentManagement>
+</p:properties>
 </file>
 
 <file path=customXml/item2.xml><?xml version="1.0" encoding="utf-8"?>
@@ -30134,28 +30708,29 @@
 </file>
 
 <file path=customXml/item3.xml><?xml version="1.0" encoding="utf-8"?>
-<p:properties xmlns:p="http://schemas.microsoft.com/office/2006/metadata/properties" xmlns:xsi="http://www.w3.org/2001/XMLSchema-instance" xmlns:pc="http://schemas.microsoft.com/office/infopath/2007/PartnerControls">
-  <documentManagement>
-    <_ip_UnifiedCompliancePolicyUIAction xmlns="http://schemas.microsoft.com/sharepoint/v3" xsi:nil="true"/>
-    <Image xmlns="71af3243-3dd4-4a8d-8c0d-dd76da1f02a5">
-      <Url xsi:nil="true"/>
-      <Description xsi:nil="true"/>
-    </Image>
-    <Status xmlns="71af3243-3dd4-4a8d-8c0d-dd76da1f02a5">Not started</Status>
-    <_ip_UnifiedCompliancePolicyProperties xmlns="http://schemas.microsoft.com/sharepoint/v3" xsi:nil="true"/>
-    <ImageTagsTaxHTField xmlns="71af3243-3dd4-4a8d-8c0d-dd76da1f02a5">
-      <Terms xmlns="http://schemas.microsoft.com/office/infopath/2007/PartnerControls"/>
-    </ImageTagsTaxHTField>
-    <TaxCatchAll xmlns="230e9df3-be65-4c73-a93b-d1236ebd677e"/>
-    <MediaServiceKeyPoints xmlns="71af3243-3dd4-4a8d-8c0d-dd76da1f02a5" xsi:nil="true"/>
-  </documentManagement>
-</p:properties>
+<?mso-contentType ?>
+<FormTemplates xmlns="http://schemas.microsoft.com/sharepoint/v3/contenttype/forms">
+  <Display>DocumentLibraryForm</Display>
+  <Edit>DocumentLibraryForm</Edit>
+  <New>DocumentLibraryForm</New>
+</FormTemplates>
 </file>
 
 <file path=customXml/itemProps1.xml><?xml version="1.0" encoding="utf-8"?>
-<ds:datastoreItem xmlns:ds="http://schemas.openxmlformats.org/officeDocument/2006/customXml" ds:itemID="{85334180-0405-413B-834A-44FA9E05ADB7}">
+<ds:datastoreItem xmlns:ds="http://schemas.openxmlformats.org/officeDocument/2006/customXml" ds:itemID="{4D5BAB77-79E1-4739-AA51-10C9079186D6}">
   <ds:schemaRefs>
-    <ds:schemaRef ds:uri="http://schemas.microsoft.com/sharepoint/v3/contenttype/forms"/>
+    <ds:schemaRef ds:uri="http://schemas.microsoft.com/sharepoint/v3"/>
+    <ds:schemaRef ds:uri="http://schemas.microsoft.com/office/2006/documentManagement/types"/>
+    <ds:schemaRef ds:uri="http://www.w3.org/XML/1998/namespace"/>
+    <ds:schemaRef ds:uri="230e9df3-be65-4c73-a93b-d1236ebd677e"/>
+    <ds:schemaRef ds:uri="71af3243-3dd4-4a8d-8c0d-dd76da1f02a5"/>
+    <ds:schemaRef ds:uri="http://schemas.microsoft.com/office/infopath/2007/PartnerControls"/>
+    <ds:schemaRef ds:uri="http://purl.org/dc/elements/1.1/"/>
+    <ds:schemaRef ds:uri="http://purl.org/dc/dcmitype/"/>
+    <ds:schemaRef ds:uri="http://schemas.openxmlformats.org/package/2006/metadata/core-properties"/>
+    <ds:schemaRef ds:uri="16c05727-aa75-4e4a-9b5f-8a80a1165891"/>
+    <ds:schemaRef ds:uri="http://schemas.microsoft.com/office/2006/metadata/properties"/>
+    <ds:schemaRef ds:uri="http://purl.org/dc/terms/"/>
   </ds:schemaRefs>
 </ds:datastoreItem>
 </file>
@@ -30182,26 +30757,9 @@
 </file>
 
 <file path=customXml/itemProps3.xml><?xml version="1.0" encoding="utf-8"?>
-<ds:datastoreItem xmlns:ds="http://schemas.openxmlformats.org/officeDocument/2006/customXml" ds:itemID="{4D5BAB77-79E1-4739-AA51-10C9079186D6}">
+<ds:datastoreItem xmlns:ds="http://schemas.openxmlformats.org/officeDocument/2006/customXml" ds:itemID="{85334180-0405-413B-834A-44FA9E05ADB7}">
   <ds:schemaRefs>
-    <ds:schemaRef ds:uri="http://schemas.microsoft.com/sharepoint/v3"/>
-    <ds:schemaRef ds:uri="http://schemas.microsoft.com/office/2006/documentManagement/types"/>
-    <ds:schemaRef ds:uri="http://www.w3.org/XML/1998/namespace"/>
-    <ds:schemaRef ds:uri="230e9df3-be65-4c73-a93b-d1236ebd677e"/>
-    <ds:schemaRef ds:uri="71af3243-3dd4-4a8d-8c0d-dd76da1f02a5"/>
-    <ds:schemaRef ds:uri="http://schemas.microsoft.com/office/infopath/2007/PartnerControls"/>
-    <ds:schemaRef ds:uri="http://purl.org/dc/elements/1.1/"/>
-    <ds:schemaRef ds:uri="http://purl.org/dc/dcmitype/"/>
-    <ds:schemaRef ds:uri="http://schemas.openxmlformats.org/package/2006/metadata/core-properties"/>
-    <ds:schemaRef ds:uri="16c05727-aa75-4e4a-9b5f-8a80a1165891"/>
-    <ds:schemaRef ds:uri="http://schemas.microsoft.com/office/2006/metadata/properties"/>
-    <ds:schemaRef ds:uri="http://purl.org/dc/terms/"/>
+    <ds:schemaRef ds:uri="http://schemas.microsoft.com/sharepoint/v3/contenttype/forms"/>
   </ds:schemaRefs>
 </ds:datastoreItem>
-</file>
-
-<file path=docMetadata/LabelInfo.xml><?xml version="1.0" encoding="utf-8"?>
-<clbl:labelList xmlns:clbl="http://schemas.microsoft.com/office/2020/mipLabelMetadata">
-  <clbl:label id="{f42aa342-8706-4288-bd11-ebb85995028c}" enabled="1" method="Standard" siteId="{72f988bf-86f1-41af-91ab-2d7cd011db47}" removed="0"/>
-</clbl:labelList>
 </file>
--- a/documentation/Notiz-App.pptx
+++ b/documentation/Notiz-App.pptx
@@ -31869,7 +31869,7 @@
                 <a:cs typeface="Arial"/>
                 <a:sym typeface="Arial"/>
               </a:rPr>
-              <a:t>Sanitize-url</a:t>
+              <a:t>Sanitize-</a:t>
             </a:r>
             <a:r>
               <a:rPr lang="de-DE" sz="2400">
@@ -31877,7 +31877,7 @@
                   <a:schemeClr val="dk1"/>
                 </a:solidFill>
               </a:rPr>
-              <a:t>: Schädliche Inhalte wie JavaScript in a-tags werden gefiltert</a:t>
+              <a:t>html: Schädliche Inhalte wie JavaScript in a-tags werden gefiltert</a:t>
             </a:r>
             <a:endParaRPr sz="2400">
               <a:solidFill>
@@ -43645,6 +43645,285 @@
 </file>
 
 <file path=ppt/theme/theme1.xml><?xml version="1.0" encoding="utf-8"?>
+<a:theme xmlns:a="http://schemas.openxmlformats.org/drawingml/2006/main" xmlns:r="http://schemas.openxmlformats.org/officeDocument/2006/relationships" name="Office-Design">
+  <a:themeElements>
+    <a:clrScheme name="Universal Color Block">
+      <a:dk1>
+        <a:srgbClr val="000000"/>
+      </a:dk1>
+      <a:lt1>
+        <a:srgbClr val="FFFFFF"/>
+      </a:lt1>
+      <a:dk2>
+        <a:srgbClr val="44546A"/>
+      </a:dk2>
+      <a:lt2>
+        <a:srgbClr val="E7E6E6"/>
+      </a:lt2>
+      <a:accent1>
+        <a:srgbClr val="0068FF"/>
+      </a:accent1>
+      <a:accent2>
+        <a:srgbClr val="DAE5EF"/>
+      </a:accent2>
+      <a:accent3>
+        <a:srgbClr val="637183"/>
+      </a:accent3>
+      <a:accent4>
+        <a:srgbClr val="434E5E"/>
+      </a:accent4>
+      <a:accent5>
+        <a:srgbClr val="5B9BD5"/>
+      </a:accent5>
+      <a:accent6>
+        <a:srgbClr val="70AD47"/>
+      </a:accent6>
+      <a:hlink>
+        <a:srgbClr val="0563C1"/>
+      </a:hlink>
+      <a:folHlink>
+        <a:srgbClr val="954F72"/>
+      </a:folHlink>
+    </a:clrScheme>
+    <a:fontScheme name="Office">
+      <a:majorFont>
+        <a:latin typeface="Arial"/>
+        <a:ea typeface=""/>
+        <a:cs typeface=""/>
+        <a:font script="Jpan" typeface="ＭＳ Ｐゴシック"/>
+        <a:font script="Hang" typeface="맑은 고딕"/>
+        <a:font script="Hans" typeface="宋体"/>
+        <a:font script="Hant" typeface="新細明體"/>
+        <a:font script="Arab" typeface="Times New Roman"/>
+        <a:font script="Hebr" typeface="Times New Roman"/>
+        <a:font script="Thai" typeface="Angsana New"/>
+        <a:font script="Ethi" typeface="Nyala"/>
+        <a:font script="Beng" typeface="Vrinda"/>
+        <a:font script="Gujr" typeface="Shruti"/>
+        <a:font script="Khmr" typeface="MoolBoran"/>
+        <a:font script="Knda" typeface="Tunga"/>
+        <a:font script="Guru" typeface="Raavi"/>
+        <a:font script="Cans" typeface="Euphemia"/>
+        <a:font script="Cher" typeface="Plantagenet Cherokee"/>
+        <a:font script="Yiii" typeface="Microsoft Yi Baiti"/>
+        <a:font script="Tibt" typeface="Microsoft Himalaya"/>
+        <a:font script="Thaa" typeface="MV Boli"/>
+        <a:font script="Deva" typeface="Mangal"/>
+        <a:font script="Telu" typeface="Gautami"/>
+        <a:font script="Taml" typeface="Latha"/>
+        <a:font script="Syrc" typeface="Estrangelo Edessa"/>
+        <a:font script="Orya" typeface="Kalinga"/>
+        <a:font script="Mlym" typeface="Kartika"/>
+        <a:font script="Laoo" typeface="DokChampa"/>
+        <a:font script="Sinh" typeface="Iskoola Pota"/>
+        <a:font script="Mong" typeface="Mongolian Baiti"/>
+        <a:font script="Viet" typeface="Times New Roman"/>
+        <a:font script="Uigh" typeface="Microsoft Uighur"/>
+        <a:font script="Geor" typeface="Sylfaen"/>
+      </a:majorFont>
+      <a:minorFont>
+        <a:latin typeface="Arial"/>
+        <a:ea typeface=""/>
+        <a:cs typeface=""/>
+        <a:font script="Jpan" typeface="ＭＳ Ｐゴシック"/>
+        <a:font script="Hang" typeface="맑은 고딕"/>
+        <a:font script="Hans" typeface="宋体"/>
+        <a:font script="Hant" typeface="新細明體"/>
+        <a:font script="Arab" typeface="Arial"/>
+        <a:font script="Hebr" typeface="Arial"/>
+        <a:font script="Thai" typeface="Cordia New"/>
+        <a:font script="Ethi" typeface="Nyala"/>
+        <a:font script="Beng" typeface="Vrinda"/>
+        <a:font script="Gujr" typeface="Shruti"/>
+        <a:font script="Khmr" typeface="DaunPenh"/>
+        <a:font script="Knda" typeface="Tunga"/>
+        <a:font script="Guru" typeface="Raavi"/>
+        <a:font script="Cans" typeface="Euphemia"/>
+        <a:font script="Cher" typeface="Plantagenet Cherokee"/>
+        <a:font script="Yiii" typeface="Microsoft Yi Baiti"/>
+        <a:font script="Tibt" typeface="Microsoft Himalaya"/>
+        <a:font script="Thaa" typeface="MV Boli"/>
+        <a:font script="Deva" typeface="Mangal"/>
+        <a:font script="Telu" typeface="Gautami"/>
+        <a:font script="Taml" typeface="Latha"/>
+        <a:font script="Syrc" typeface="Estrangelo Edessa"/>
+        <a:font script="Orya" typeface="Kalinga"/>
+        <a:font script="Mlym" typeface="Kartika"/>
+        <a:font script="Laoo" typeface="DokChampa"/>
+        <a:font script="Sinh" typeface="Iskoola Pota"/>
+        <a:font script="Mong" typeface="Mongolian Baiti"/>
+        <a:font script="Viet" typeface="Arial"/>
+        <a:font script="Uigh" typeface="Microsoft Uighur"/>
+        <a:font script="Geor" typeface="Sylfaen"/>
+      </a:minorFont>
+    </a:fontScheme>
+    <a:fmtScheme name="Office">
+      <a:fillStyleLst>
+        <a:solidFill>
+          <a:schemeClr val="phClr"/>
+        </a:solidFill>
+        <a:gradFill rotWithShape="1">
+          <a:gsLst>
+            <a:gs pos="0">
+              <a:schemeClr val="phClr">
+                <a:tint val="50000"/>
+                <a:satMod val="300000"/>
+              </a:schemeClr>
+            </a:gs>
+            <a:gs pos="35000">
+              <a:schemeClr val="phClr">
+                <a:tint val="37000"/>
+                <a:satMod val="300000"/>
+              </a:schemeClr>
+            </a:gs>
+            <a:gs pos="100000">
+              <a:schemeClr val="phClr">
+                <a:tint val="15000"/>
+                <a:satMod val="350000"/>
+              </a:schemeClr>
+            </a:gs>
+          </a:gsLst>
+          <a:lin ang="16200000" scaled="1"/>
+        </a:gradFill>
+        <a:gradFill rotWithShape="1">
+          <a:gsLst>
+            <a:gs pos="0">
+              <a:schemeClr val="phClr">
+                <a:tint val="100000"/>
+                <a:shade val="100000"/>
+                <a:satMod val="130000"/>
+              </a:schemeClr>
+            </a:gs>
+            <a:gs pos="100000">
+              <a:schemeClr val="phClr">
+                <a:tint val="50000"/>
+                <a:shade val="100000"/>
+                <a:satMod val="350000"/>
+              </a:schemeClr>
+            </a:gs>
+          </a:gsLst>
+          <a:lin ang="16200000" scaled="0"/>
+        </a:gradFill>
+      </a:fillStyleLst>
+      <a:lnStyleLst>
+        <a:ln w="9525" cap="flat" cmpd="sng" algn="ctr">
+          <a:solidFill>
+            <a:schemeClr val="phClr">
+              <a:shade val="95000"/>
+              <a:satMod val="105000"/>
+            </a:schemeClr>
+          </a:solidFill>
+          <a:prstDash val="solid"/>
+        </a:ln>
+        <a:ln w="25400" cap="flat" cmpd="sng" algn="ctr">
+          <a:solidFill>
+            <a:schemeClr val="phClr"/>
+          </a:solidFill>
+          <a:prstDash val="solid"/>
+        </a:ln>
+        <a:ln w="38100" cap="flat" cmpd="sng" algn="ctr">
+          <a:solidFill>
+            <a:schemeClr val="phClr"/>
+          </a:solidFill>
+          <a:prstDash val="solid"/>
+        </a:ln>
+      </a:lnStyleLst>
+      <a:effectStyleLst>
+        <a:effectStyle>
+          <a:effectLst>
+            <a:outerShdw blurRad="40000" dist="20000" dir="5400000" rotWithShape="0">
+              <a:srgbClr val="000000">
+                <a:alpha val="38000"/>
+              </a:srgbClr>
+            </a:outerShdw>
+          </a:effectLst>
+        </a:effectStyle>
+        <a:effectStyle>
+          <a:effectLst>
+            <a:outerShdw blurRad="40000" dist="23000" dir="5400000" rotWithShape="0">
+              <a:srgbClr val="000000">
+                <a:alpha val="35000"/>
+              </a:srgbClr>
+            </a:outerShdw>
+          </a:effectLst>
+        </a:effectStyle>
+        <a:effectStyle>
+          <a:effectLst>
+            <a:outerShdw blurRad="40000" dist="23000" dir="5400000" rotWithShape="0">
+              <a:srgbClr val="000000">
+                <a:alpha val="35000"/>
+              </a:srgbClr>
+            </a:outerShdw>
+          </a:effectLst>
+          <a:scene3d>
+            <a:camera prst="orthographicFront">
+              <a:rot lat="0" lon="0" rev="0"/>
+            </a:camera>
+            <a:lightRig rig="threePt" dir="t">
+              <a:rot lat="0" lon="0" rev="1200000"/>
+            </a:lightRig>
+          </a:scene3d>
+          <a:sp3d>
+            <a:bevelT w="63500" h="25400"/>
+          </a:sp3d>
+        </a:effectStyle>
+      </a:effectStyleLst>
+      <a:bgFillStyleLst>
+        <a:solidFill>
+          <a:schemeClr val="phClr"/>
+        </a:solidFill>
+        <a:gradFill rotWithShape="1">
+          <a:gsLst>
+            <a:gs pos="0">
+              <a:schemeClr val="phClr">
+                <a:tint val="40000"/>
+                <a:satMod val="350000"/>
+              </a:schemeClr>
+            </a:gs>
+            <a:gs pos="40000">
+              <a:schemeClr val="phClr">
+                <a:tint val="45000"/>
+                <a:shade val="99000"/>
+                <a:satMod val="350000"/>
+              </a:schemeClr>
+            </a:gs>
+            <a:gs pos="100000">
+              <a:schemeClr val="phClr">
+                <a:shade val="20000"/>
+                <a:satMod val="255000"/>
+              </a:schemeClr>
+            </a:gs>
+          </a:gsLst>
+          <a:path path="circle">
+            <a:fillToRect l="50000" t="-80000" r="50000" b="180000"/>
+          </a:path>
+        </a:gradFill>
+        <a:gradFill rotWithShape="1">
+          <a:gsLst>
+            <a:gs pos="0">
+              <a:schemeClr val="phClr">
+                <a:tint val="80000"/>
+                <a:satMod val="300000"/>
+              </a:schemeClr>
+            </a:gs>
+            <a:gs pos="100000">
+              <a:schemeClr val="phClr">
+                <a:shade val="30000"/>
+                <a:satMod val="200000"/>
+              </a:schemeClr>
+            </a:gs>
+          </a:gsLst>
+          <a:path path="circle">
+            <a:fillToRect l="50000" t="50000" r="50000" b="50000"/>
+          </a:path>
+        </a:gradFill>
+      </a:bgFillStyleLst>
+    </a:fmtScheme>
+  </a:themeElements>
+</a:theme>
+</file>
+
+<file path=ppt/theme/theme2.xml><?xml version="1.0" encoding="utf-8"?>
 <a:theme xmlns:a="http://schemas.openxmlformats.org/drawingml/2006/main" xmlns:r="http://schemas.openxmlformats.org/officeDocument/2006/relationships" name="Office-Design">
   <a:themeElements>
     <a:clrScheme name="Office">
@@ -43921,283 +44200,4 @@
     </a:fmtScheme>
   </a:themeElements>
 </a:theme>
-</file>
-
-<file path=ppt/theme/theme2.xml><?xml version="1.0" encoding="utf-8"?>
-<a:theme xmlns:a="http://schemas.openxmlformats.org/drawingml/2006/main" xmlns:r="http://schemas.openxmlformats.org/officeDocument/2006/relationships" name="Office-Design">
-  <a:themeElements>
-    <a:clrScheme name="Universal Color Block">
-      <a:dk1>
-        <a:srgbClr val="000000"/>
-      </a:dk1>
-      <a:lt1>
-        <a:srgbClr val="FFFFFF"/>
-      </a:lt1>
-      <a:dk2>
-        <a:srgbClr val="44546A"/>
-      </a:dk2>
-      <a:lt2>
-        <a:srgbClr val="E7E6E6"/>
-      </a:lt2>
-      <a:accent1>
-        <a:srgbClr val="0068FF"/>
-      </a:accent1>
-      <a:accent2>
-        <a:srgbClr val="DAE5EF"/>
-      </a:accent2>
-      <a:accent3>
-        <a:srgbClr val="637183"/>
-      </a:accent3>
-      <a:accent4>
-        <a:srgbClr val="434E5E"/>
-      </a:accent4>
-      <a:accent5>
-        <a:srgbClr val="5B9BD5"/>
-      </a:accent5>
-      <a:accent6>
-        <a:srgbClr val="70AD47"/>
-      </a:accent6>
-      <a:hlink>
-        <a:srgbClr val="0563C1"/>
-      </a:hlink>
-      <a:folHlink>
-        <a:srgbClr val="954F72"/>
-      </a:folHlink>
-    </a:clrScheme>
-    <a:fontScheme name="Office">
-      <a:majorFont>
-        <a:latin typeface="Arial"/>
-        <a:ea typeface=""/>
-        <a:cs typeface=""/>
-        <a:font script="Jpan" typeface="ＭＳ Ｐゴシック"/>
-        <a:font script="Hang" typeface="맑은 고딕"/>
-        <a:font script="Hans" typeface="宋体"/>
-        <a:font script="Hant" typeface="新細明體"/>
-        <a:font script="Arab" typeface="Times New Roman"/>
-        <a:font script="Hebr" typeface="Times New Roman"/>
-        <a:font script="Thai" typeface="Angsana New"/>
-        <a:font script="Ethi" typeface="Nyala"/>
-        <a:font script="Beng" typeface="Vrinda"/>
-        <a:font script="Gujr" typeface="Shruti"/>
-        <a:font script="Khmr" typeface="MoolBoran"/>
-        <a:font script="Knda" typeface="Tunga"/>
-        <a:font script="Guru" typeface="Raavi"/>
-        <a:font script="Cans" typeface="Euphemia"/>
-        <a:font script="Cher" typeface="Plantagenet Cherokee"/>
-        <a:font script="Yiii" typeface="Microsoft Yi Baiti"/>
-        <a:font script="Tibt" typeface="Microsoft Himalaya"/>
-        <a:font script="Thaa" typeface="MV Boli"/>
-        <a:font script="Deva" typeface="Mangal"/>
-        <a:font script="Telu" typeface="Gautami"/>
-        <a:font script="Taml" typeface="Latha"/>
-        <a:font script="Syrc" typeface="Estrangelo Edessa"/>
-        <a:font script="Orya" typeface="Kalinga"/>
-        <a:font script="Mlym" typeface="Kartika"/>
-        <a:font script="Laoo" typeface="DokChampa"/>
-        <a:font script="Sinh" typeface="Iskoola Pota"/>
-        <a:font script="Mong" typeface="Mongolian Baiti"/>
-        <a:font script="Viet" typeface="Times New Roman"/>
-        <a:font script="Uigh" typeface="Microsoft Uighur"/>
-        <a:font script="Geor" typeface="Sylfaen"/>
-      </a:majorFont>
-      <a:minorFont>
-        <a:latin typeface="Arial"/>
-        <a:ea typeface=""/>
-        <a:cs typeface=""/>
-        <a:font script="Jpan" typeface="ＭＳ Ｐゴシック"/>
-        <a:font script="Hang" typeface="맑은 고딕"/>
-        <a:font script="Hans" typeface="宋体"/>
-        <a:font script="Hant" typeface="新細明體"/>
-        <a:font script="Arab" typeface="Arial"/>
-        <a:font script="Hebr" typeface="Arial"/>
-        <a:font script="Thai" typeface="Cordia New"/>
-        <a:font script="Ethi" typeface="Nyala"/>
-        <a:font script="Beng" typeface="Vrinda"/>
-        <a:font script="Gujr" typeface="Shruti"/>
-        <a:font script="Khmr" typeface="DaunPenh"/>
-        <a:font script="Knda" typeface="Tunga"/>
-        <a:font script="Guru" typeface="Raavi"/>
-        <a:font script="Cans" typeface="Euphemia"/>
-        <a:font script="Cher" typeface="Plantagenet Cherokee"/>
-        <a:font script="Yiii" typeface="Microsoft Yi Baiti"/>
-        <a:font script="Tibt" typeface="Microsoft Himalaya"/>
-        <a:font script="Thaa" typeface="MV Boli"/>
-        <a:font script="Deva" typeface="Mangal"/>
-        <a:font script="Telu" typeface="Gautami"/>
-        <a:font script="Taml" typeface="Latha"/>
-        <a:font script="Syrc" typeface="Estrangelo Edessa"/>
-        <a:font script="Orya" typeface="Kalinga"/>
-        <a:font script="Mlym" typeface="Kartika"/>
-        <a:font script="Laoo" typeface="DokChampa"/>
-        <a:font script="Sinh" typeface="Iskoola Pota"/>
-        <a:font script="Mong" typeface="Mongolian Baiti"/>
-        <a:font script="Viet" typeface="Arial"/>
-        <a:font script="Uigh" typeface="Microsoft Uighur"/>
-        <a:font script="Geor" typeface="Sylfaen"/>
-      </a:minorFont>
-    </a:fontScheme>
-    <a:fmtScheme name="Office">
-      <a:fillStyleLst>
-        <a:solidFill>
-          <a:schemeClr val="phClr"/>
-        </a:solidFill>
-        <a:gradFill rotWithShape="1">
-          <a:gsLst>
-            <a:gs pos="0">
-              <a:schemeClr val="phClr">
-                <a:tint val="50000"/>
-                <a:satMod val="300000"/>
-              </a:schemeClr>
-            </a:gs>
-            <a:gs pos="35000">
-              <a:schemeClr val="phClr">
-                <a:tint val="37000"/>
-                <a:satMod val="300000"/>
-              </a:schemeClr>
-            </a:gs>
-            <a:gs pos="100000">
-              <a:schemeClr val="phClr">
-                <a:tint val="15000"/>
-                <a:satMod val="350000"/>
-              </a:schemeClr>
-            </a:gs>
-          </a:gsLst>
-          <a:lin ang="16200000" scaled="1"/>
-        </a:gradFill>
-        <a:gradFill rotWithShape="1">
-          <a:gsLst>
-            <a:gs pos="0">
-              <a:schemeClr val="phClr">
-                <a:tint val="100000"/>
-                <a:shade val="100000"/>
-                <a:satMod val="130000"/>
-              </a:schemeClr>
-            </a:gs>
-            <a:gs pos="100000">
-              <a:schemeClr val="phClr">
-                <a:tint val="50000"/>
-                <a:shade val="100000"/>
-                <a:satMod val="350000"/>
-              </a:schemeClr>
-            </a:gs>
-          </a:gsLst>
-          <a:lin ang="16200000" scaled="0"/>
-        </a:gradFill>
-      </a:fillStyleLst>
-      <a:lnStyleLst>
-        <a:ln w="9525" cap="flat" cmpd="sng" algn="ctr">
-          <a:solidFill>
-            <a:schemeClr val="phClr">
-              <a:shade val="95000"/>
-              <a:satMod val="105000"/>
-            </a:schemeClr>
-          </a:solidFill>
-          <a:prstDash val="solid"/>
-        </a:ln>
-        <a:ln w="25400" cap="flat" cmpd="sng" algn="ctr">
-          <a:solidFill>
-            <a:schemeClr val="phClr"/>
-          </a:solidFill>
-          <a:prstDash val="solid"/>
-        </a:ln>
-        <a:ln w="38100" cap="flat" cmpd="sng" algn="ctr">
-          <a:solidFill>
-            <a:schemeClr val="phClr"/>
-          </a:solidFill>
-          <a:prstDash val="solid"/>
-        </a:ln>
-      </a:lnStyleLst>
-      <a:effectStyleLst>
-        <a:effectStyle>
-          <a:effectLst>
-            <a:outerShdw blurRad="40000" dist="20000" dir="5400000" rotWithShape="0">
-              <a:srgbClr val="000000">
-                <a:alpha val="38000"/>
-              </a:srgbClr>
-            </a:outerShdw>
-          </a:effectLst>
-        </a:effectStyle>
-        <a:effectStyle>
-          <a:effectLst>
-            <a:outerShdw blurRad="40000" dist="23000" dir="5400000" rotWithShape="0">
-              <a:srgbClr val="000000">
-                <a:alpha val="35000"/>
-              </a:srgbClr>
-            </a:outerShdw>
-          </a:effectLst>
-        </a:effectStyle>
-        <a:effectStyle>
-          <a:effectLst>
-            <a:outerShdw blurRad="40000" dist="23000" dir="5400000" rotWithShape="0">
-              <a:srgbClr val="000000">
-                <a:alpha val="35000"/>
-              </a:srgbClr>
-            </a:outerShdw>
-          </a:effectLst>
-          <a:scene3d>
-            <a:camera prst="orthographicFront">
-              <a:rot lat="0" lon="0" rev="0"/>
-            </a:camera>
-            <a:lightRig rig="threePt" dir="t">
-              <a:rot lat="0" lon="0" rev="1200000"/>
-            </a:lightRig>
-          </a:scene3d>
-          <a:sp3d>
-            <a:bevelT w="63500" h="25400"/>
-          </a:sp3d>
-        </a:effectStyle>
-      </a:effectStyleLst>
-      <a:bgFillStyleLst>
-        <a:solidFill>
-          <a:schemeClr val="phClr"/>
-        </a:solidFill>
-        <a:gradFill rotWithShape="1">
-          <a:gsLst>
-            <a:gs pos="0">
-              <a:schemeClr val="phClr">
-                <a:tint val="40000"/>
-                <a:satMod val="350000"/>
-              </a:schemeClr>
-            </a:gs>
-            <a:gs pos="40000">
-              <a:schemeClr val="phClr">
-                <a:tint val="45000"/>
-                <a:shade val="99000"/>
-                <a:satMod val="350000"/>
-              </a:schemeClr>
-            </a:gs>
-            <a:gs pos="100000">
-              <a:schemeClr val="phClr">
-                <a:shade val="20000"/>
-                <a:satMod val="255000"/>
-              </a:schemeClr>
-            </a:gs>
-          </a:gsLst>
-          <a:path path="circle">
-            <a:fillToRect l="50000" t="-80000" r="50000" b="180000"/>
-          </a:path>
-        </a:gradFill>
-        <a:gradFill rotWithShape="1">
-          <a:gsLst>
-            <a:gs pos="0">
-              <a:schemeClr val="phClr">
-                <a:tint val="80000"/>
-                <a:satMod val="300000"/>
-              </a:schemeClr>
-            </a:gs>
-            <a:gs pos="100000">
-              <a:schemeClr val="phClr">
-                <a:shade val="30000"/>
-                <a:satMod val="200000"/>
-              </a:schemeClr>
-            </a:gs>
-          </a:gsLst>
-          <a:path path="circle">
-            <a:fillToRect l="50000" t="50000" r="50000" b="50000"/>
-          </a:path>
-        </a:gradFill>
-      </a:bgFillStyleLst>
-    </a:fmtScheme>
-  </a:themeElements>
-</a:theme>
 </file>
--- a/documentation/Notiz-App.pptx
+++ b/documentation/Notiz-App.pptx
@@ -39886,7 +39886,7 @@
         <p:spPr>
           <a:xfrm>
             <a:off x="2814214" y="2111757"/>
-            <a:ext cx="4357408" cy="3366815"/>
+            <a:ext cx="4357500" cy="3366900"/>
           </a:xfrm>
           <a:prstGeom prst="rect">
             <a:avLst/>
@@ -39898,7 +39898,7 @@
         </p:spPr>
         <p:txBody>
           <a:bodyPr anchorCtr="0" anchor="t" bIns="45700" lIns="91425" spcFirstLastPara="1" rIns="91425" wrap="square" tIns="45700">
-            <a:normAutofit lnSpcReduction="10000"/>
+            <a:normAutofit/>
           </a:bodyPr>
           <a:lstStyle/>
           <a:p>
@@ -39906,6 +39906,48 @@
               <a:lnSpc>
                 <a:spcPct val="90000"/>
               </a:lnSpc>
+              <a:spcBef>
+                <a:spcPts val="0"/>
+              </a:spcBef>
+              <a:spcAft>
+                <a:spcPts val="0"/>
+              </a:spcAft>
+              <a:buClr>
+                <a:schemeClr val="dk1"/>
+              </a:buClr>
+              <a:buSzPts val="2800"/>
+              <a:buNone/>
+            </a:pPr>
+            <a:r>
+              <a:rPr lang="de-DE"/>
+              <a:t>Sessions</a:t>
+            </a:r>
+            <a:endParaRPr/>
+          </a:p>
+          <a:p>
+            <a:pPr indent="0" lvl="0" marL="0" rtl="0" algn="l">
+              <a:lnSpc>
+                <a:spcPct val="90000"/>
+              </a:lnSpc>
+              <a:spcBef>
+                <a:spcPts val="1000"/>
+              </a:spcBef>
+              <a:spcAft>
+                <a:spcPts val="0"/>
+              </a:spcAft>
+              <a:buClr>
+                <a:schemeClr val="dk1"/>
+              </a:buClr>
+              <a:buSzPts val="2800"/>
+              <a:buNone/>
+            </a:pPr>
+            <a:r>
+              <a:t/>
+            </a:r>
+            <a:endParaRPr/>
+          </a:p>
+          <a:p>
+            <a:pPr indent="0" lvl="0" marL="0" rtl="0" algn="l">
               <a:spcBef>
                 <a:spcPts val="0"/>
               </a:spcBef>
@@ -39948,11 +39990,8 @@
           </a:p>
           <a:p>
             <a:pPr indent="0" lvl="0" marL="0" rtl="0" algn="l">
-              <a:lnSpc>
-                <a:spcPct val="90000"/>
-              </a:lnSpc>
-              <a:spcBef>
-                <a:spcPts val="1000"/>
+              <a:spcBef>
+                <a:spcPts val="0"/>
               </a:spcBef>
               <a:spcAft>
                 <a:spcPts val="0"/>
@@ -39966,6 +40005,10 @@
             <a:r>
               <a:rPr lang="de-DE"/>
               <a:t>Datenbankinhalte</a:t>
+            </a:r>
+            <a:r>
+              <a:rPr lang="de-DE"/>
+              <a:t> </a:t>
             </a:r>
             <a:endParaRPr/>
           </a:p>
@@ -40010,74 +40053,7 @@
             </a:pPr>
             <a:r>
               <a:rPr lang="de-DE"/>
-              <a:t>Sessions</a:t>
-            </a:r>
-            <a:endParaRPr/>
-          </a:p>
-          <a:p>
-            <a:pPr indent="0" lvl="0" marL="0" rtl="0" algn="l">
-              <a:lnSpc>
-                <a:spcPct val="90000"/>
-              </a:lnSpc>
-              <a:spcBef>
-                <a:spcPts val="1000"/>
-              </a:spcBef>
-              <a:spcAft>
-                <a:spcPts val="0"/>
-              </a:spcAft>
-              <a:buClr>
-                <a:schemeClr val="dk1"/>
-              </a:buClr>
-              <a:buSzPts val="2800"/>
-              <a:buNone/>
-            </a:pPr>
-            <a:r>
-              <a:t/>
-            </a:r>
-            <a:endParaRPr/>
-          </a:p>
-          <a:p>
-            <a:pPr indent="0" lvl="0" marL="0" rtl="0" algn="l">
-              <a:lnSpc>
-                <a:spcPct val="90000"/>
-              </a:lnSpc>
-              <a:spcBef>
-                <a:spcPts val="1000"/>
-              </a:spcBef>
-              <a:spcAft>
-                <a:spcPts val="0"/>
-              </a:spcAft>
-              <a:buClr>
-                <a:schemeClr val="dk1"/>
-              </a:buClr>
-              <a:buSzPts val="2800"/>
-              <a:buNone/>
-            </a:pPr>
-            <a:r>
-              <a:rPr lang="de-DE"/>
               <a:t>Uns selbst</a:t>
-            </a:r>
-            <a:endParaRPr/>
-          </a:p>
-          <a:p>
-            <a:pPr indent="0" lvl="0" marL="0" rtl="0" algn="l">
-              <a:lnSpc>
-                <a:spcPct val="90000"/>
-              </a:lnSpc>
-              <a:spcBef>
-                <a:spcPts val="1000"/>
-              </a:spcBef>
-              <a:spcAft>
-                <a:spcPts val="0"/>
-              </a:spcAft>
-              <a:buClr>
-                <a:schemeClr val="dk1"/>
-              </a:buClr>
-              <a:buSzPts val="2800"/>
-              <a:buNone/>
-            </a:pPr>
-            <a:r>
-              <a:t/>
             </a:r>
             <a:endParaRPr/>
           </a:p>
@@ -40230,7 +40206,7 @@
         </p:blipFill>
         <p:spPr>
           <a:xfrm>
-            <a:off x="1167492" y="1930839"/>
+            <a:off x="1167492" y="2724827"/>
             <a:ext cx="914400" cy="914400"/>
           </a:xfrm>
           <a:prstGeom prst="rect">
@@ -40284,7 +40260,7 @@
         </p:blipFill>
         <p:spPr>
           <a:xfrm>
-            <a:off x="1167492" y="2845239"/>
+            <a:off x="1167492" y="3743102"/>
             <a:ext cx="914400" cy="914400"/>
           </a:xfrm>
           <a:prstGeom prst="rect">
@@ -40311,7 +40287,7 @@
         </p:blipFill>
         <p:spPr>
           <a:xfrm>
-            <a:off x="1167492" y="3686394"/>
+            <a:off x="1167492" y="1858844"/>
             <a:ext cx="914400" cy="914400"/>
           </a:xfrm>
           <a:prstGeom prst="rect">

--- a/documentation/Notiz-App.pptx
+++ b/documentation/Notiz-App.pptx
@@ -32108,7 +32108,7 @@
             </a:pPr>
             <a:r>
               <a:rPr lang="de-DE"/>
-              <a:t>Vice President of Cloud</a:t>
+              <a:t>Vice President of Cloud Research at Trend Micro</a:t>
             </a:r>
             <a:endParaRPr/>
           </a:p>
@@ -36646,7 +36646,7 @@
         </p:spPr>
         <p:txBody>
           <a:bodyPr anchorCtr="0" anchor="t" bIns="45700" lIns="91425" spcFirstLastPara="1" rIns="91425" wrap="square" tIns="45700">
-            <a:normAutofit lnSpcReduction="10000"/>
+            <a:normAutofit fontScale="92500"/>
           </a:bodyPr>
           <a:lstStyle/>
           <a:p>
@@ -36663,7 +36663,7 @@
               <a:buClr>
                 <a:schemeClr val="lt1"/>
               </a:buClr>
-              <a:buSzPts val="2400"/>
+              <a:buSzPct val="100000"/>
               <a:buNone/>
             </a:pPr>
             <a:r>
@@ -36686,7 +36686,7 @@
               <a:buClr>
                 <a:schemeClr val="lt1"/>
               </a:buClr>
-              <a:buSzPts val="2400"/>
+              <a:buSzPct val="100000"/>
               <a:buNone/>
             </a:pPr>
             <a:r>
@@ -36709,12 +36709,12 @@
               <a:buClr>
                 <a:schemeClr val="lt1"/>
               </a:buClr>
-              <a:buSzPts val="2400"/>
+              <a:buSzPct val="100000"/>
               <a:buNone/>
             </a:pPr>
             <a:r>
               <a:rPr lang="de-DE"/>
-              <a:t>Branch Protection -&gt; Development, Aktualitätscheck, Approval nötig</a:t>
+              <a:t>Branch Protection -&gt; Development &amp; Main, Aktualitätscheck, Approval nötig</a:t>
             </a:r>
             <a:endParaRPr/>
           </a:p>
@@ -36732,12 +36732,12 @@
               <a:buClr>
                 <a:schemeClr val="lt1"/>
               </a:buClr>
-              <a:buSzPts val="2400"/>
+              <a:buSzPct val="100000"/>
               <a:buNone/>
             </a:pPr>
             <a:r>
               <a:rPr lang="de-DE"/>
-              <a:t>.env nicht im Repo (nur .testenv) -&gt; kann nicht ausversehen genutzt werden</a:t>
+              <a:t>.env nicht im Repo (nur .testenv) -&gt; kann nicht ausversehen gepusht werden</a:t>
             </a:r>
             <a:endParaRPr/>
           </a:p>
@@ -40545,8 +40545,8 @@
         </p:nvSpPr>
         <p:spPr>
           <a:xfrm>
-            <a:off x="1167492" y="2653167"/>
-            <a:ext cx="9779183" cy="3436483"/>
+            <a:off x="1122267" y="2680317"/>
+            <a:ext cx="9779100" cy="3436500"/>
           </a:xfrm>
           <a:prstGeom prst="rect">
             <a:avLst/>
@@ -40597,7 +40597,7 @@
                 <a:spcPts val="0"/>
               </a:spcAft>
               <a:buClr>
-                <a:srgbClr val="D8D8D8"/>
+                <a:schemeClr val="lt1"/>
               </a:buClr>
               <a:buSzPts val="2000"/>
               <a:buFont typeface="Arial"/>
@@ -40606,12 +40606,16 @@
             <a:r>
               <a:rPr lang="de-DE">
                 <a:solidFill>
-                  <a:srgbClr val="D8D8D8"/>
+                  <a:schemeClr val="lt1"/>
                 </a:solidFill>
               </a:rPr>
               <a:t>Privat- / öffentlich-Trennung</a:t>
             </a:r>
-            <a:endParaRPr/>
+            <a:endParaRPr>
+              <a:solidFill>
+                <a:schemeClr val="lt1"/>
+              </a:solidFill>
+            </a:endParaRPr>
           </a:p>
           <a:p>
             <a:pPr indent="-342900" lvl="1" marL="800100" rtl="0" algn="l">
@@ -40625,7 +40629,7 @@
                 <a:spcPts val="0"/>
               </a:spcAft>
               <a:buClr>
-                <a:srgbClr val="D8D8D8"/>
+                <a:schemeClr val="lt1"/>
               </a:buClr>
               <a:buSzPts val="2000"/>
               <a:buFont typeface="Arial"/>
@@ -40634,12 +40638,16 @@
             <a:r>
               <a:rPr lang="de-DE">
                 <a:solidFill>
-                  <a:srgbClr val="D8D8D8"/>
+                  <a:schemeClr val="lt1"/>
                 </a:solidFill>
               </a:rPr>
               <a:t>Notizautoren</a:t>
             </a:r>
-            <a:endParaRPr/>
+            <a:endParaRPr>
+              <a:solidFill>
+                <a:schemeClr val="lt1"/>
+              </a:solidFill>
+            </a:endParaRPr>
           </a:p>
           <a:p>
             <a:pPr indent="-342900" lvl="1" marL="800100" rtl="0" algn="l">
@@ -40653,7 +40661,7 @@
                 <a:spcPts val="0"/>
               </a:spcAft>
               <a:buClr>
-                <a:srgbClr val="D8D8D8"/>
+                <a:schemeClr val="lt1"/>
               </a:buClr>
               <a:buSzPts val="2000"/>
               <a:buFont typeface="Arial"/>
@@ -40662,12 +40670,16 @@
             <a:r>
               <a:rPr lang="de-DE">
                 <a:solidFill>
-                  <a:srgbClr val="D8D8D8"/>
+                  <a:schemeClr val="lt1"/>
                 </a:solidFill>
               </a:rPr>
-              <a:t>Rechte zur Veränderung / Lösung von Notizen</a:t>
+              <a:t>Rechte zur Veränderung / Löschung von Notizen</a:t>
             </a:r>
-            <a:endParaRPr/>
+            <a:endParaRPr>
+              <a:solidFill>
+                <a:schemeClr val="lt1"/>
+              </a:solidFill>
+            </a:endParaRPr>
           </a:p>
         </p:txBody>
       </p:sp>
@@ -43621,6 +43633,285 @@
 </file>
 
 <file path=ppt/theme/theme1.xml><?xml version="1.0" encoding="utf-8"?>
+<a:theme xmlns:a="http://schemas.openxmlformats.org/drawingml/2006/main" xmlns:r="http://schemas.openxmlformats.org/officeDocument/2006/relationships" name="Office-Design">
+  <a:themeElements>
+    <a:clrScheme name="Office">
+      <a:dk1>
+        <a:srgbClr val="000000"/>
+      </a:dk1>
+      <a:lt1>
+        <a:srgbClr val="FFFFFF"/>
+      </a:lt1>
+      <a:dk2>
+        <a:srgbClr val="44546A"/>
+      </a:dk2>
+      <a:lt2>
+        <a:srgbClr val="E7E6E6"/>
+      </a:lt2>
+      <a:accent1>
+        <a:srgbClr val="4472C4"/>
+      </a:accent1>
+      <a:accent2>
+        <a:srgbClr val="ED7D31"/>
+      </a:accent2>
+      <a:accent3>
+        <a:srgbClr val="A5A5A5"/>
+      </a:accent3>
+      <a:accent4>
+        <a:srgbClr val="FFC000"/>
+      </a:accent4>
+      <a:accent5>
+        <a:srgbClr val="5B9BD5"/>
+      </a:accent5>
+      <a:accent6>
+        <a:srgbClr val="70AD47"/>
+      </a:accent6>
+      <a:hlink>
+        <a:srgbClr val="0563C1"/>
+      </a:hlink>
+      <a:folHlink>
+        <a:srgbClr val="954F72"/>
+      </a:folHlink>
+    </a:clrScheme>
+    <a:fontScheme name="Office">
+      <a:majorFont>
+        <a:latin typeface="Arial"/>
+        <a:ea typeface=""/>
+        <a:cs typeface=""/>
+        <a:font script="Jpan" typeface="ＭＳ Ｐゴシック"/>
+        <a:font script="Hang" typeface="맑은 고딕"/>
+        <a:font script="Hans" typeface="宋体"/>
+        <a:font script="Hant" typeface="新細明體"/>
+        <a:font script="Arab" typeface="Times New Roman"/>
+        <a:font script="Hebr" typeface="Times New Roman"/>
+        <a:font script="Thai" typeface="Angsana New"/>
+        <a:font script="Ethi" typeface="Nyala"/>
+        <a:font script="Beng" typeface="Vrinda"/>
+        <a:font script="Gujr" typeface="Shruti"/>
+        <a:font script="Khmr" typeface="MoolBoran"/>
+        <a:font script="Knda" typeface="Tunga"/>
+        <a:font script="Guru" typeface="Raavi"/>
+        <a:font script="Cans" typeface="Euphemia"/>
+        <a:font script="Cher" typeface="Plantagenet Cherokee"/>
+        <a:font script="Yiii" typeface="Microsoft Yi Baiti"/>
+        <a:font script="Tibt" typeface="Microsoft Himalaya"/>
+        <a:font script="Thaa" typeface="MV Boli"/>
+        <a:font script="Deva" typeface="Mangal"/>
+        <a:font script="Telu" typeface="Gautami"/>
+        <a:font script="Taml" typeface="Latha"/>
+        <a:font script="Syrc" typeface="Estrangelo Edessa"/>
+        <a:font script="Orya" typeface="Kalinga"/>
+        <a:font script="Mlym" typeface="Kartika"/>
+        <a:font script="Laoo" typeface="DokChampa"/>
+        <a:font script="Sinh" typeface="Iskoola Pota"/>
+        <a:font script="Mong" typeface="Mongolian Baiti"/>
+        <a:font script="Viet" typeface="Times New Roman"/>
+        <a:font script="Uigh" typeface="Microsoft Uighur"/>
+        <a:font script="Geor" typeface="Sylfaen"/>
+      </a:majorFont>
+      <a:minorFont>
+        <a:latin typeface="Arial"/>
+        <a:ea typeface=""/>
+        <a:cs typeface=""/>
+        <a:font script="Jpan" typeface="ＭＳ Ｐゴシック"/>
+        <a:font script="Hang" typeface="맑은 고딕"/>
+        <a:font script="Hans" typeface="宋体"/>
+        <a:font script="Hant" typeface="新細明體"/>
+        <a:font script="Arab" typeface="Arial"/>
+        <a:font script="Hebr" typeface="Arial"/>
+        <a:font script="Thai" typeface="Cordia New"/>
+        <a:font script="Ethi" typeface="Nyala"/>
+        <a:font script="Beng" typeface="Vrinda"/>
+        <a:font script="Gujr" typeface="Shruti"/>
+        <a:font script="Khmr" typeface="DaunPenh"/>
+        <a:font script="Knda" typeface="Tunga"/>
+        <a:font script="Guru" typeface="Raavi"/>
+        <a:font script="Cans" typeface="Euphemia"/>
+        <a:font script="Cher" typeface="Plantagenet Cherokee"/>
+        <a:font script="Yiii" typeface="Microsoft Yi Baiti"/>
+        <a:font script="Tibt" typeface="Microsoft Himalaya"/>
+        <a:font script="Thaa" typeface="MV Boli"/>
+        <a:font script="Deva" typeface="Mangal"/>
+        <a:font script="Telu" typeface="Gautami"/>
+        <a:font script="Taml" typeface="Latha"/>
+        <a:font script="Syrc" typeface="Estrangelo Edessa"/>
+        <a:font script="Orya" typeface="Kalinga"/>
+        <a:font script="Mlym" typeface="Kartika"/>
+        <a:font script="Laoo" typeface="DokChampa"/>
+        <a:font script="Sinh" typeface="Iskoola Pota"/>
+        <a:font script="Mong" typeface="Mongolian Baiti"/>
+        <a:font script="Viet" typeface="Arial"/>
+        <a:font script="Uigh" typeface="Microsoft Uighur"/>
+        <a:font script="Geor" typeface="Sylfaen"/>
+      </a:minorFont>
+    </a:fontScheme>
+    <a:fmtScheme name="Office">
+      <a:fillStyleLst>
+        <a:solidFill>
+          <a:schemeClr val="phClr"/>
+        </a:solidFill>
+        <a:gradFill rotWithShape="1">
+          <a:gsLst>
+            <a:gs pos="0">
+              <a:schemeClr val="phClr">
+                <a:tint val="50000"/>
+                <a:satMod val="300000"/>
+              </a:schemeClr>
+            </a:gs>
+            <a:gs pos="35000">
+              <a:schemeClr val="phClr">
+                <a:tint val="37000"/>
+                <a:satMod val="300000"/>
+              </a:schemeClr>
+            </a:gs>
+            <a:gs pos="100000">
+              <a:schemeClr val="phClr">
+                <a:tint val="15000"/>
+                <a:satMod val="350000"/>
+              </a:schemeClr>
+            </a:gs>
+          </a:gsLst>
+          <a:lin ang="16200000" scaled="1"/>
+        </a:gradFill>
+        <a:gradFill rotWithShape="1">
+          <a:gsLst>
+            <a:gs pos="0">
+              <a:schemeClr val="phClr">
+                <a:tint val="100000"/>
+                <a:shade val="100000"/>
+                <a:satMod val="130000"/>
+              </a:schemeClr>
+            </a:gs>
+            <a:gs pos="100000">
+              <a:schemeClr val="phClr">
+                <a:tint val="50000"/>
+                <a:shade val="100000"/>
+                <a:satMod val="350000"/>
+              </a:schemeClr>
+            </a:gs>
+          </a:gsLst>
+          <a:lin ang="16200000" scaled="0"/>
+        </a:gradFill>
+      </a:fillStyleLst>
+      <a:lnStyleLst>
+        <a:ln w="9525" cap="flat" cmpd="sng" algn="ctr">
+          <a:solidFill>
+            <a:schemeClr val="phClr">
+              <a:shade val="95000"/>
+              <a:satMod val="105000"/>
+            </a:schemeClr>
+          </a:solidFill>
+          <a:prstDash val="solid"/>
+        </a:ln>
+        <a:ln w="25400" cap="flat" cmpd="sng" algn="ctr">
+          <a:solidFill>
+            <a:schemeClr val="phClr"/>
+          </a:solidFill>
+          <a:prstDash val="solid"/>
+        </a:ln>
+        <a:ln w="38100" cap="flat" cmpd="sng" algn="ctr">
+          <a:solidFill>
+            <a:schemeClr val="phClr"/>
+          </a:solidFill>
+          <a:prstDash val="solid"/>
+        </a:ln>
+      </a:lnStyleLst>
+      <a:effectStyleLst>
+        <a:effectStyle>
+          <a:effectLst>
+            <a:outerShdw blurRad="40000" dist="20000" dir="5400000" rotWithShape="0">
+              <a:srgbClr val="000000">
+                <a:alpha val="38000"/>
+              </a:srgbClr>
+            </a:outerShdw>
+          </a:effectLst>
+        </a:effectStyle>
+        <a:effectStyle>
+          <a:effectLst>
+            <a:outerShdw blurRad="40000" dist="23000" dir="5400000" rotWithShape="0">
+              <a:srgbClr val="000000">
+                <a:alpha val="35000"/>
+              </a:srgbClr>
+            </a:outerShdw>
+          </a:effectLst>
+        </a:effectStyle>
+        <a:effectStyle>
+          <a:effectLst>
+            <a:outerShdw blurRad="40000" dist="23000" dir="5400000" rotWithShape="0">
+              <a:srgbClr val="000000">
+                <a:alpha val="35000"/>
+              </a:srgbClr>
+            </a:outerShdw>
+          </a:effectLst>
+          <a:scene3d>
+            <a:camera prst="orthographicFront">
+              <a:rot lat="0" lon="0" rev="0"/>
+            </a:camera>
+            <a:lightRig rig="threePt" dir="t">
+              <a:rot lat="0" lon="0" rev="1200000"/>
+            </a:lightRig>
+          </a:scene3d>
+          <a:sp3d>
+            <a:bevelT w="63500" h="25400"/>
+          </a:sp3d>
+        </a:effectStyle>
+      </a:effectStyleLst>
+      <a:bgFillStyleLst>
+        <a:solidFill>
+          <a:schemeClr val="phClr"/>
+        </a:solidFill>
+        <a:gradFill rotWithShape="1">
+          <a:gsLst>
+            <a:gs pos="0">
+              <a:schemeClr val="phClr">
+                <a:tint val="40000"/>
+                <a:satMod val="350000"/>
+              </a:schemeClr>
+            </a:gs>
+            <a:gs pos="40000">
+              <a:schemeClr val="phClr">
+                <a:tint val="45000"/>
+                <a:shade val="99000"/>
+                <a:satMod val="350000"/>
+              </a:schemeClr>
+            </a:gs>
+            <a:gs pos="100000">
+              <a:schemeClr val="phClr">
+                <a:shade val="20000"/>
+                <a:satMod val="255000"/>
+              </a:schemeClr>
+            </a:gs>
+          </a:gsLst>
+          <a:path path="circle">
+            <a:fillToRect l="50000" t="-80000" r="50000" b="180000"/>
+          </a:path>
+        </a:gradFill>
+        <a:gradFill rotWithShape="1">
+          <a:gsLst>
+            <a:gs pos="0">
+              <a:schemeClr val="phClr">
+                <a:tint val="80000"/>
+                <a:satMod val="300000"/>
+              </a:schemeClr>
+            </a:gs>
+            <a:gs pos="100000">
+              <a:schemeClr val="phClr">
+                <a:shade val="30000"/>
+                <a:satMod val="200000"/>
+              </a:schemeClr>
+            </a:gs>
+          </a:gsLst>
+          <a:path path="circle">
+            <a:fillToRect l="50000" t="50000" r="50000" b="50000"/>
+          </a:path>
+        </a:gradFill>
+      </a:bgFillStyleLst>
+    </a:fmtScheme>
+  </a:themeElements>
+</a:theme>
+</file>
+
+<file path=ppt/theme/theme2.xml><?xml version="1.0" encoding="utf-8"?>
 <a:theme xmlns:a="http://schemas.openxmlformats.org/drawingml/2006/main" xmlns:r="http://schemas.openxmlformats.org/officeDocument/2006/relationships" name="Office-Design">
   <a:themeElements>
     <a:clrScheme name="Universal Color Block">
@@ -43897,283 +44188,4 @@
     </a:fmtScheme>
   </a:themeElements>
 </a:theme>
-</file>
-
-<file path=ppt/theme/theme2.xml><?xml version="1.0" encoding="utf-8"?>
-<a:theme xmlns:a="http://schemas.openxmlformats.org/drawingml/2006/main" xmlns:r="http://schemas.openxmlformats.org/officeDocument/2006/relationships" name="Office-Design">
-  <a:themeElements>
-    <a:clrScheme name="Office">
-      <a:dk1>
-        <a:srgbClr val="000000"/>
-      </a:dk1>
-      <a:lt1>
-        <a:srgbClr val="FFFFFF"/>
-      </a:lt1>
-      <a:dk2>
-        <a:srgbClr val="44546A"/>
-      </a:dk2>
-      <a:lt2>
-        <a:srgbClr val="E7E6E6"/>
-      </a:lt2>
-      <a:accent1>
-        <a:srgbClr val="4472C4"/>
-      </a:accent1>
-      <a:accent2>
-        <a:srgbClr val="ED7D31"/>
-      </a:accent2>
-      <a:accent3>
-        <a:srgbClr val="A5A5A5"/>
-      </a:accent3>
-      <a:accent4>
-        <a:srgbClr val="FFC000"/>
-      </a:accent4>
-      <a:accent5>
-        <a:srgbClr val="5B9BD5"/>
-      </a:accent5>
-      <a:accent6>
-        <a:srgbClr val="70AD47"/>
-      </a:accent6>
-      <a:hlink>
-        <a:srgbClr val="0563C1"/>
-      </a:hlink>
-      <a:folHlink>
-        <a:srgbClr val="954F72"/>
-      </a:folHlink>
-    </a:clrScheme>
-    <a:fontScheme name="Office">
-      <a:majorFont>
-        <a:latin typeface="Arial"/>
-        <a:ea typeface=""/>
-        <a:cs typeface=""/>
-        <a:font script="Jpan" typeface="ＭＳ Ｐゴシック"/>
-        <a:font script="Hang" typeface="맑은 고딕"/>
-        <a:font script="Hans" typeface="宋体"/>
-        <a:font script="Hant" typeface="新細明體"/>
-        <a:font script="Arab" typeface="Times New Roman"/>
-        <a:font script="Hebr" typeface="Times New Roman"/>
-        <a:font script="Thai" typeface="Angsana New"/>
-        <a:font script="Ethi" typeface="Nyala"/>
-        <a:font script="Beng" typeface="Vrinda"/>
-        <a:font script="Gujr" typeface="Shruti"/>
-        <a:font script="Khmr" typeface="MoolBoran"/>
-        <a:font script="Knda" typeface="Tunga"/>
-        <a:font script="Guru" typeface="Raavi"/>
-        <a:font script="Cans" typeface="Euphemia"/>
-        <a:font script="Cher" typeface="Plantagenet Cherokee"/>
-        <a:font script="Yiii" typeface="Microsoft Yi Baiti"/>
-        <a:font script="Tibt" typeface="Microsoft Himalaya"/>
-        <a:font script="Thaa" typeface="MV Boli"/>
-        <a:font script="Deva" typeface="Mangal"/>
-        <a:font script="Telu" typeface="Gautami"/>
-        <a:font script="Taml" typeface="Latha"/>
-        <a:font script="Syrc" typeface="Estrangelo Edessa"/>
-        <a:font script="Orya" typeface="Kalinga"/>
-        <a:font script="Mlym" typeface="Kartika"/>
-        <a:font script="Laoo" typeface="DokChampa"/>
-        <a:font script="Sinh" typeface="Iskoola Pota"/>
-        <a:font script="Mong" typeface="Mongolian Baiti"/>
-        <a:font script="Viet" typeface="Times New Roman"/>
-        <a:font script="Uigh" typeface="Microsoft Uighur"/>
-        <a:font script="Geor" typeface="Sylfaen"/>
-      </a:majorFont>
-      <a:minorFont>
-        <a:latin typeface="Arial"/>
-        <a:ea typeface=""/>
-        <a:cs typeface=""/>
-        <a:font script="Jpan" typeface="ＭＳ Ｐゴシック"/>
-        <a:font script="Hang" typeface="맑은 고딕"/>
-        <a:font script="Hans" typeface="宋体"/>
-        <a:font script="Hant" typeface="新細明體"/>
-        <a:font script="Arab" typeface="Arial"/>
-        <a:font script="Hebr" typeface="Arial"/>
-        <a:font script="Thai" typeface="Cordia New"/>
-        <a:font script="Ethi" typeface="Nyala"/>
-        <a:font script="Beng" typeface="Vrinda"/>
-        <a:font script="Gujr" typeface="Shruti"/>
-        <a:font script="Khmr" typeface="DaunPenh"/>
-        <a:font script="Knda" typeface="Tunga"/>
-        <a:font script="Guru" typeface="Raavi"/>
-        <a:font script="Cans" typeface="Euphemia"/>
-        <a:font script="Cher" typeface="Plantagenet Cherokee"/>
-        <a:font script="Yiii" typeface="Microsoft Yi Baiti"/>
-        <a:font script="Tibt" typeface="Microsoft Himalaya"/>
-        <a:font script="Thaa" typeface="MV Boli"/>
-        <a:font script="Deva" typeface="Mangal"/>
-        <a:font script="Telu" typeface="Gautami"/>
-        <a:font script="Taml" typeface="Latha"/>
-        <a:font script="Syrc" typeface="Estrangelo Edessa"/>
-        <a:font script="Orya" typeface="Kalinga"/>
-        <a:font script="Mlym" typeface="Kartika"/>
-        <a:font script="Laoo" typeface="DokChampa"/>
-        <a:font script="Sinh" typeface="Iskoola Pota"/>
-        <a:font script="Mong" typeface="Mongolian Baiti"/>
-        <a:font script="Viet" typeface="Arial"/>
-        <a:font script="Uigh" typeface="Microsoft Uighur"/>
-        <a:font script="Geor" typeface="Sylfaen"/>
-      </a:minorFont>
-    </a:fontScheme>
-    <a:fmtScheme name="Office">
-      <a:fillStyleLst>
-        <a:solidFill>
-          <a:schemeClr val="phClr"/>
-        </a:solidFill>
-        <a:gradFill rotWithShape="1">
-          <a:gsLst>
-            <a:gs pos="0">
-              <a:schemeClr val="phClr">
-                <a:tint val="50000"/>
-                <a:satMod val="300000"/>
-              </a:schemeClr>
-            </a:gs>
-            <a:gs pos="35000">
-              <a:schemeClr val="phClr">
-                <a:tint val="37000"/>
-                <a:satMod val="300000"/>
-              </a:schemeClr>
-            </a:gs>
-            <a:gs pos="100000">
-              <a:schemeClr val="phClr">
-                <a:tint val="15000"/>
-                <a:satMod val="350000"/>
-              </a:schemeClr>
-            </a:gs>
-          </a:gsLst>
-          <a:lin ang="16200000" scaled="1"/>
-        </a:gradFill>
-        <a:gradFill rotWithShape="1">
-          <a:gsLst>
-            <a:gs pos="0">
-              <a:schemeClr val="phClr">
-                <a:tint val="100000"/>
-                <a:shade val="100000"/>
-                <a:satMod val="130000"/>
-              </a:schemeClr>
-            </a:gs>
-            <a:gs pos="100000">
-              <a:schemeClr val="phClr">
-                <a:tint val="50000"/>
-                <a:shade val="100000"/>
-                <a:satMod val="350000"/>
-              </a:schemeClr>
-            </a:gs>
-          </a:gsLst>
-          <a:lin ang="16200000" scaled="0"/>
-        </a:gradFill>
-      </a:fillStyleLst>
-      <a:lnStyleLst>
-        <a:ln w="9525" cap="flat" cmpd="sng" algn="ctr">
-          <a:solidFill>
-            <a:schemeClr val="phClr">
-              <a:shade val="95000"/>
-              <a:satMod val="105000"/>
-            </a:schemeClr>
-          </a:solidFill>
-          <a:prstDash val="solid"/>
-        </a:ln>
-        <a:ln w="25400" cap="flat" cmpd="sng" algn="ctr">
-          <a:solidFill>
-            <a:schemeClr val="phClr"/>
-          </a:solidFill>
-          <a:prstDash val="solid"/>
-        </a:ln>
-        <a:ln w="38100" cap="flat" cmpd="sng" algn="ctr">
-          <a:solidFill>
-            <a:schemeClr val="phClr"/>
-          </a:solidFill>
-          <a:prstDash val="solid"/>
-        </a:ln>
-      </a:lnStyleLst>
-      <a:effectStyleLst>
-        <a:effectStyle>
-          <a:effectLst>
-            <a:outerShdw blurRad="40000" dist="20000" dir="5400000" rotWithShape="0">
-              <a:srgbClr val="000000">
-                <a:alpha val="38000"/>
-              </a:srgbClr>
-            </a:outerShdw>
-          </a:effectLst>
-        </a:effectStyle>
-        <a:effectStyle>
-          <a:effectLst>
-            <a:outerShdw blurRad="40000" dist="23000" dir="5400000" rotWithShape="0">
-              <a:srgbClr val="000000">
-                <a:alpha val="35000"/>
-              </a:srgbClr>
-            </a:outerShdw>
-          </a:effectLst>
-        </a:effectStyle>
-        <a:effectStyle>
-          <a:effectLst>
-            <a:outerShdw blurRad="40000" dist="23000" dir="5400000" rotWithShape="0">
-              <a:srgbClr val="000000">
-                <a:alpha val="35000"/>
-              </a:srgbClr>
-            </a:outerShdw>
-          </a:effectLst>
-          <a:scene3d>
-            <a:camera prst="orthographicFront">
-              <a:rot lat="0" lon="0" rev="0"/>
-            </a:camera>
-            <a:lightRig rig="threePt" dir="t">
-              <a:rot lat="0" lon="0" rev="1200000"/>
-            </a:lightRig>
-          </a:scene3d>
-          <a:sp3d>
-            <a:bevelT w="63500" h="25400"/>
-          </a:sp3d>
-        </a:effectStyle>
-      </a:effectStyleLst>
-      <a:bgFillStyleLst>
-        <a:solidFill>
-          <a:schemeClr val="phClr"/>
-        </a:solidFill>
-        <a:gradFill rotWithShape="1">
-          <a:gsLst>
-            <a:gs pos="0">
-              <a:schemeClr val="phClr">
-                <a:tint val="40000"/>
-                <a:satMod val="350000"/>
-              </a:schemeClr>
-            </a:gs>
-            <a:gs pos="40000">
-              <a:schemeClr val="phClr">
-                <a:tint val="45000"/>
-                <a:shade val="99000"/>
-                <a:satMod val="350000"/>
-              </a:schemeClr>
-            </a:gs>
-            <a:gs pos="100000">
-              <a:schemeClr val="phClr">
-                <a:shade val="20000"/>
-                <a:satMod val="255000"/>
-              </a:schemeClr>
-            </a:gs>
-          </a:gsLst>
-          <a:path path="circle">
-            <a:fillToRect l="50000" t="-80000" r="50000" b="180000"/>
-          </a:path>
-        </a:gradFill>
-        <a:gradFill rotWithShape="1">
-          <a:gsLst>
-            <a:gs pos="0">
-              <a:schemeClr val="phClr">
-                <a:tint val="80000"/>
-                <a:satMod val="300000"/>
-              </a:schemeClr>
-            </a:gs>
-            <a:gs pos="100000">
-              <a:schemeClr val="phClr">
-                <a:shade val="30000"/>
-                <a:satMod val="200000"/>
-              </a:schemeClr>
-            </a:gs>
-          </a:gsLst>
-          <a:path path="circle">
-            <a:fillToRect l="50000" t="50000" r="50000" b="50000"/>
-          </a:path>
-        </a:gradFill>
-      </a:bgFillStyleLst>
-    </a:fmtScheme>
-  </a:themeElements>
-</a:theme>
 </file>